--- a/Avance/avance.pptx
+++ b/Avance/avance.pptx
@@ -20,8 +20,9 @@
     <p:sldId id="316" r:id="rId14"/>
     <p:sldId id="315" r:id="rId15"/>
     <p:sldId id="321" r:id="rId16"/>
-    <p:sldId id="322" r:id="rId17"/>
-    <p:sldId id="317" r:id="rId18"/>
+    <p:sldId id="323" r:id="rId17"/>
+    <p:sldId id="322" r:id="rId18"/>
+    <p:sldId id="317" r:id="rId19"/>
   </p:sldIdLst>
   <p:sldSz cx="12192000" cy="6858000"/>
   <p:notesSz cx="6858000" cy="9144000"/>
@@ -501,7 +502,7 @@
           <a:p>
             <a:fld id="{4BDF68E2-58F2-4D09-BE8B-E3BD06533059}" type="datetimeFigureOut">
               <a:rPr lang="en-US" dirty="0"/>
-              <a:t>5/19/2022</a:t>
+              <a:t>5/27/2022</a:t>
             </a:fld>
             <a:endParaRPr lang="en-US" dirty="0"/>
           </a:p>
@@ -711,7 +712,7 @@
           <a:p>
             <a:fld id="{2E2D6473-DF6D-4702-B328-E0DD40540A4E}" type="datetimeFigureOut">
               <a:rPr lang="en-US" dirty="0"/>
-              <a:t>5/19/2022</a:t>
+              <a:t>5/27/2022</a:t>
             </a:fld>
             <a:endParaRPr lang="en-US" dirty="0"/>
           </a:p>
@@ -962,7 +963,7 @@
           <a:p>
             <a:fld id="{E26F7E3A-B166-407D-9866-32884E7D5B37}" type="datetimeFigureOut">
               <a:rPr lang="en-US" dirty="0"/>
-              <a:t>5/19/2022</a:t>
+              <a:t>5/27/2022</a:t>
             </a:fld>
             <a:endParaRPr lang="en-US" dirty="0"/>
           </a:p>
@@ -1131,7 +1132,7 @@
           <a:p>
             <a:fld id="{528FC5F6-F338-4AE4-BB23-26385BCFC423}" type="datetimeFigureOut">
               <a:rPr lang="en-US" dirty="0"/>
-              <a:t>5/19/2022</a:t>
+              <a:t>5/27/2022</a:t>
             </a:fld>
             <a:endParaRPr lang="en-US" dirty="0"/>
           </a:p>
@@ -1476,7 +1477,7 @@
           <a:p>
             <a:fld id="{20EBB0C4-6273-4C6E-B9BD-2EDC30F1CD52}" type="datetimeFigureOut">
               <a:rPr lang="en-US" dirty="0"/>
-              <a:t>5/19/2022</a:t>
+              <a:t>5/27/2022</a:t>
             </a:fld>
             <a:endParaRPr lang="en-US" dirty="0"/>
           </a:p>
@@ -1753,7 +1754,7 @@
           <a:p>
             <a:fld id="{19AB4D41-86C1-4908-B66A-0B50CEB3BF29}" type="datetimeFigureOut">
               <a:rPr lang="en-US" dirty="0"/>
-              <a:t>5/19/2022</a:t>
+              <a:t>5/27/2022</a:t>
             </a:fld>
             <a:endParaRPr lang="en-US" dirty="0"/>
           </a:p>
@@ -2134,7 +2135,7 @@
           <a:p>
             <a:fld id="{E6426E2C-56C1-4E0D-A793-0088A7FDD37E}" type="datetimeFigureOut">
               <a:rPr lang="en-US" dirty="0"/>
-              <a:t>5/19/2022</a:t>
+              <a:t>5/27/2022</a:t>
             </a:fld>
             <a:endParaRPr lang="en-US" dirty="0"/>
           </a:p>
@@ -2254,7 +2255,7 @@
           <a:p>
             <a:fld id="{C8C39B41-D8B5-4052-B551-9B5525EAA8B6}" type="datetimeFigureOut">
               <a:rPr lang="en-US" dirty="0"/>
-              <a:t>5/19/2022</a:t>
+              <a:t>5/27/2022</a:t>
             </a:fld>
             <a:endParaRPr lang="en-US" dirty="0"/>
           </a:p>
@@ -2420,7 +2421,7 @@
           <a:p>
             <a:fld id="{4D94136C-8742-45B2-AF27-D93DF72833A9}" type="datetimeFigureOut">
               <a:rPr lang="en-US" dirty="0"/>
-              <a:t>5/19/2022</a:t>
+              <a:t>5/27/2022</a:t>
             </a:fld>
             <a:endParaRPr lang="en-US" dirty="0"/>
           </a:p>
@@ -2770,7 +2771,7 @@
           <a:p>
             <a:fld id="{32ABBEA6-7C60-4B02-AE87-00D78D8422AF}" type="datetimeFigureOut">
               <a:rPr lang="en-US" dirty="0"/>
-              <a:t>5/19/2022</a:t>
+              <a:t>5/27/2022</a:t>
             </a:fld>
             <a:endParaRPr lang="en-US" dirty="0"/>
           </a:p>
@@ -3148,7 +3149,7 @@
           <a:p>
             <a:fld id="{C9CAD897-D46E-4AD2-BD9B-49DD3E640873}" type="datetimeFigureOut">
               <a:rPr lang="en-US" dirty="0"/>
-              <a:t>5/19/2022</a:t>
+              <a:t>5/27/2022</a:t>
             </a:fld>
             <a:endParaRPr lang="en-US" dirty="0"/>
           </a:p>
@@ -3430,7 +3431,7 @@
           <a:p>
             <a:fld id="{98624D31-43A5-475A-80CF-332C9F6DCF35}" type="datetimeFigureOut">
               <a:rPr lang="en-US" dirty="0"/>
-              <a:t>5/19/2022</a:t>
+              <a:t>5/27/2022</a:t>
             </a:fld>
             <a:endParaRPr lang="en-US" dirty="0"/>
           </a:p>
@@ -4602,11 +4603,6 @@
               </a:rPr>
               <a:t>/filtro en la CNN también tiene su representación como grafo.</a:t>
             </a:r>
-            <a:endParaRPr lang="es-AR" sz="2200" dirty="0" smtClean="0">
-              <a:latin typeface="CMU Serif" panose="02000603000000000000" pitchFamily="2" charset="0"/>
-              <a:ea typeface="CMU Serif" panose="02000603000000000000" pitchFamily="2" charset="0"/>
-              <a:cs typeface="CMU Serif" panose="02000603000000000000" pitchFamily="2" charset="0"/>
-            </a:endParaRPr>
           </a:p>
         </p:txBody>
       </p:sp>
@@ -4743,8 +4739,8 @@
           </a:p>
         </p:txBody>
       </p:sp>
-      <mc:AlternateContent xmlns:mc="http://schemas.openxmlformats.org/markup-compatibility/2006">
-        <mc:Choice xmlns:a14="http://schemas.microsoft.com/office/drawing/2010/main" Requires="a14">
+      <mc:AlternateContent xmlns:mc="http://schemas.openxmlformats.org/markup-compatibility/2006" xmlns:a14="http://schemas.microsoft.com/office/drawing/2010/main">
+        <mc:Choice Requires="a14">
           <p:sp>
             <p:nvSpPr>
               <p:cNvPr id="6" name="TextBox 5"/>
@@ -4767,6 +4763,7 @@
               </a:bodyPr>
               <a:lstStyle/>
               <a:p>
+                <a:pPr/>
                 <a14:m>
                   <m:oMathPara xmlns:m="http://schemas.openxmlformats.org/officeDocument/2006/math">
                     <m:oMathParaPr>
@@ -5090,13 +5087,7 @@
                                     <a:rPr lang="es-AR" i="1">
                                       <a:latin typeface="Cambria Math" panose="02040503050406030204" pitchFamily="18" charset="0"/>
                                     </a:rPr>
-                                    <m:t>−1</m:t>
-                                  </m:r>
-                                  <m:r>
-                                    <a:rPr lang="es-AR" i="1">
-                                      <a:latin typeface="Cambria Math" panose="02040503050406030204" pitchFamily="18" charset="0"/>
-                                    </a:rPr>
-                                    <m:t>)</m:t>
+                                    <m:t>−1)</m:t>
                                   </m:r>
                                 </m:sup>
                               </m:sSubSup>
@@ -5163,7 +5154,7 @@
             </p:txBody>
           </p:sp>
         </mc:Choice>
-        <mc:Fallback>
+        <mc:Fallback xmlns="">
           <p:sp>
             <p:nvSpPr>
               <p:cNvPr id="6" name="TextBox 5"/>
@@ -6824,15 +6815,7 @@
                 <a:ea typeface="CMU Serif" panose="02000603000000000000" pitchFamily="2" charset="0"/>
                 <a:cs typeface="CMU Serif" panose="02000603000000000000" pitchFamily="2" charset="0"/>
               </a:rPr>
-              <a:t> </a:t>
-            </a:r>
-            <a:r>
-              <a:rPr lang="es-AR" sz="2400" dirty="0" smtClean="0">
-                <a:latin typeface="CMU Serif" panose="02000603000000000000" pitchFamily="2" charset="0"/>
-                <a:ea typeface="CMU Serif" panose="02000603000000000000" pitchFamily="2" charset="0"/>
-                <a:cs typeface="CMU Serif" panose="02000603000000000000" pitchFamily="2" charset="0"/>
-              </a:rPr>
-              <a:t>Modelos:</a:t>
+              <a:t> Modelos:</a:t>
             </a:r>
           </a:p>
           <a:p>
@@ -7167,13 +7150,13 @@
         <p:grpSpPr>
           <a:xfrm>
             <a:off x="435292" y="1171426"/>
-            <a:ext cx="11377480" cy="2239462"/>
+            <a:ext cx="11377480" cy="2147486"/>
             <a:chOff x="435292" y="1418005"/>
-            <a:chExt cx="11377480" cy="2239462"/>
+            <a:chExt cx="11377480" cy="2147486"/>
           </a:xfrm>
         </p:grpSpPr>
-        <mc:AlternateContent xmlns:mc="http://schemas.openxmlformats.org/markup-compatibility/2006">
-          <mc:Choice xmlns:a14="http://schemas.microsoft.com/office/drawing/2010/main" Requires="a14">
+        <mc:AlternateContent xmlns:mc="http://schemas.openxmlformats.org/markup-compatibility/2006" xmlns:a14="http://schemas.microsoft.com/office/drawing/2010/main">
+          <mc:Choice Requires="a14">
             <p:sp>
               <p:nvSpPr>
                 <p:cNvPr id="6" name="TextBox 5"/>
@@ -7196,6 +7179,7 @@
                 </a:bodyPr>
                 <a:lstStyle/>
                 <a:p>
+                  <a:pPr/>
                   <a14:m>
                     <m:oMathPara xmlns:m="http://schemas.openxmlformats.org/officeDocument/2006/math">
                       <m:oMathParaPr>
@@ -7519,13 +7503,7 @@
                                       <a:rPr lang="es-AR" i="1">
                                         <a:latin typeface="Cambria Math" panose="02040503050406030204" pitchFamily="18" charset="0"/>
                                       </a:rPr>
-                                      <m:t>−1</m:t>
-                                    </m:r>
-                                    <m:r>
-                                      <a:rPr lang="es-AR" i="1">
-                                        <a:latin typeface="Cambria Math" panose="02040503050406030204" pitchFamily="18" charset="0"/>
-                                      </a:rPr>
-                                      <m:t>)</m:t>
+                                      <m:t>−1)</m:t>
                                     </m:r>
                                   </m:sup>
                                 </m:sSubSup>
@@ -7592,7 +7570,7 @@
               </p:txBody>
             </p:sp>
           </mc:Choice>
-          <mc:Fallback>
+          <mc:Fallback xmlns="">
             <p:sp>
               <p:nvSpPr>
                 <p:cNvPr id="6" name="TextBox 5"/>
@@ -7631,8 +7609,8 @@
             </p:sp>
           </mc:Fallback>
         </mc:AlternateContent>
-        <mc:AlternateContent xmlns:mc="http://schemas.openxmlformats.org/markup-compatibility/2006">
-          <mc:Choice xmlns:a14="http://schemas.microsoft.com/office/drawing/2010/main" Requires="a14">
+        <mc:AlternateContent xmlns:mc="http://schemas.openxmlformats.org/markup-compatibility/2006" xmlns:a14="http://schemas.microsoft.com/office/drawing/2010/main">
+          <mc:Choice Requires="a14">
             <p:sp>
               <p:nvSpPr>
                 <p:cNvPr id="2" name="Rectangle 1"/>
@@ -7700,7 +7678,7 @@
               </p:txBody>
             </p:sp>
           </mc:Choice>
-          <mc:Fallback>
+          <mc:Fallback xmlns="">
             <p:sp>
               <p:nvSpPr>
                 <p:cNvPr id="2" name="Rectangle 1"/>
@@ -7739,8 +7717,8 @@
             </p:sp>
           </mc:Fallback>
         </mc:AlternateContent>
-        <mc:AlternateContent xmlns:mc="http://schemas.openxmlformats.org/markup-compatibility/2006">
-          <mc:Choice xmlns:a14="http://schemas.microsoft.com/office/drawing/2010/main" Requires="a14">
+        <mc:AlternateContent xmlns:mc="http://schemas.openxmlformats.org/markup-compatibility/2006" xmlns:a14="http://schemas.microsoft.com/office/drawing/2010/main">
+          <mc:Choice Requires="a14">
             <p:sp>
               <p:nvSpPr>
                 <p:cNvPr id="5" name="TextBox 4"/>
@@ -7763,6 +7741,7 @@
                 </a:bodyPr>
                 <a:lstStyle/>
                 <a:p>
+                  <a:pPr/>
                   <a14:m>
                     <m:oMathPara xmlns:m="http://schemas.openxmlformats.org/officeDocument/2006/math">
                       <m:oMathParaPr>
@@ -8113,7 +8092,7 @@
               </p:txBody>
             </p:sp>
           </mc:Choice>
-          <mc:Fallback>
+          <mc:Fallback xmlns="">
             <p:sp>
               <p:nvSpPr>
                 <p:cNvPr id="5" name="TextBox 4"/>
@@ -8154,44 +8133,6 @@
         </mc:AlternateContent>
         <p:sp>
           <p:nvSpPr>
-            <p:cNvPr id="7" name="Right Brace 6"/>
-            <p:cNvSpPr/>
-            <p:nvPr/>
-          </p:nvSpPr>
-          <p:spPr>
-            <a:xfrm>
-              <a:off x="5835723" y="1950238"/>
-              <a:ext cx="239335" cy="1707229"/>
-            </a:xfrm>
-            <a:prstGeom prst="rightBrace">
-              <a:avLst/>
-            </a:prstGeom>
-          </p:spPr>
-          <p:style>
-            <a:lnRef idx="1">
-              <a:schemeClr val="dk1"/>
-            </a:lnRef>
-            <a:fillRef idx="0">
-              <a:schemeClr val="dk1"/>
-            </a:fillRef>
-            <a:effectRef idx="0">
-              <a:schemeClr val="dk1"/>
-            </a:effectRef>
-            <a:fontRef idx="minor">
-              <a:schemeClr val="tx1"/>
-            </a:fontRef>
-          </p:style>
-          <p:txBody>
-            <a:bodyPr rtlCol="0" anchor="ctr"/>
-            <a:lstStyle/>
-            <a:p>
-              <a:pPr algn="ctr"/>
-              <a:endParaRPr lang="es-AR"/>
-            </a:p>
-          </p:txBody>
-        </p:sp>
-        <p:sp>
-          <p:nvSpPr>
             <p:cNvPr id="8" name="Rectangle 7"/>
             <p:cNvSpPr/>
             <p:nvPr/>
@@ -8199,7 +8140,7 @@
           <p:spPr>
             <a:xfrm>
               <a:off x="6159867" y="2342187"/>
-              <a:ext cx="5652905" cy="923330"/>
+              <a:ext cx="5652905" cy="369332"/>
             </a:xfrm>
             <a:prstGeom prst="rect">
               <a:avLst/>
@@ -8211,31 +8152,1437 @@
             </a:bodyPr>
             <a:lstStyle/>
             <a:p>
-              <a:r>
-                <a:rPr lang="es-AR" dirty="0" smtClean="0"/>
-                <a:t>No son necesariamente un promedio/difusión de los valores originales de los atributos. Se pueden </a:t>
-              </a:r>
-              <a:r>
-                <a:rPr lang="es-AR" dirty="0" err="1" smtClean="0"/>
-                <a:t>intrepretar</a:t>
-              </a:r>
-              <a:r>
-                <a:rPr lang="es-AR" dirty="0" smtClean="0"/>
-                <a:t> como un </a:t>
-              </a:r>
-              <a:r>
-                <a:rPr lang="es-AR" dirty="0" err="1" smtClean="0"/>
-                <a:t>embedding</a:t>
-              </a:r>
-              <a:r>
-                <a:rPr lang="es-AR" dirty="0" smtClean="0"/>
-                <a:t>.</a:t>
-              </a:r>
               <a:endParaRPr lang="es-AR" b="1" i="1" dirty="0"/>
             </a:p>
           </p:txBody>
         </p:sp>
       </p:grpSp>
+      <p:sp>
+        <p:nvSpPr>
+          <p:cNvPr id="10" name="Content Placeholder 2"/>
+          <p:cNvSpPr txBox="1">
+            <a:spLocks/>
+          </p:cNvSpPr>
+          <p:nvPr/>
+        </p:nvSpPr>
+        <p:spPr>
+          <a:xfrm>
+            <a:off x="6355209" y="3469168"/>
+            <a:ext cx="5836791" cy="865419"/>
+          </a:xfrm>
+          <a:prstGeom prst="rect">
+            <a:avLst/>
+          </a:prstGeom>
+        </p:spPr>
+        <p:txBody>
+          <a:bodyPr vert="horz" lIns="0" tIns="45720" rIns="0" bIns="45720" rtlCol="0">
+            <a:noAutofit/>
+          </a:bodyPr>
+          <a:lstStyle>
+            <a:lvl1pPr marL="91440" indent="-91440" algn="l" defTabSz="914400" rtl="0" eaLnBrk="1" latinLnBrk="0" hangingPunct="1">
+              <a:lnSpc>
+                <a:spcPct val="90000"/>
+              </a:lnSpc>
+              <a:spcBef>
+                <a:spcPts val="1200"/>
+              </a:spcBef>
+              <a:spcAft>
+                <a:spcPts val="200"/>
+              </a:spcAft>
+              <a:buClr>
+                <a:schemeClr val="accent1"/>
+              </a:buClr>
+              <a:buSzPct val="100000"/>
+              <a:buFont typeface="Calibri" panose="020F0502020204030204" pitchFamily="34" charset="0"/>
+              <a:buChar char=" "/>
+              <a:defRPr sz="2000" kern="1200">
+                <a:solidFill>
+                  <a:schemeClr val="tx1">
+                    <a:lumMod val="75000"/>
+                    <a:lumOff val="25000"/>
+                  </a:schemeClr>
+                </a:solidFill>
+                <a:latin typeface="+mn-lt"/>
+                <a:ea typeface="+mn-ea"/>
+                <a:cs typeface="+mn-cs"/>
+              </a:defRPr>
+            </a:lvl1pPr>
+            <a:lvl2pPr marL="384048" indent="-182880" algn="l" defTabSz="914400" rtl="0" eaLnBrk="1" latinLnBrk="0" hangingPunct="1">
+              <a:lnSpc>
+                <a:spcPct val="90000"/>
+              </a:lnSpc>
+              <a:spcBef>
+                <a:spcPts val="200"/>
+              </a:spcBef>
+              <a:spcAft>
+                <a:spcPts val="400"/>
+              </a:spcAft>
+              <a:buClr>
+                <a:schemeClr val="accent1"/>
+              </a:buClr>
+              <a:buFont typeface="Calibri" pitchFamily="34" charset="0"/>
+              <a:buChar char="◦"/>
+              <a:defRPr sz="1800" kern="1200">
+                <a:solidFill>
+                  <a:schemeClr val="tx1">
+                    <a:lumMod val="75000"/>
+                    <a:lumOff val="25000"/>
+                  </a:schemeClr>
+                </a:solidFill>
+                <a:latin typeface="+mn-lt"/>
+                <a:ea typeface="+mn-ea"/>
+                <a:cs typeface="+mn-cs"/>
+              </a:defRPr>
+            </a:lvl2pPr>
+            <a:lvl3pPr marL="566928" indent="-182880" algn="l" defTabSz="914400" rtl="0" eaLnBrk="1" latinLnBrk="0" hangingPunct="1">
+              <a:lnSpc>
+                <a:spcPct val="90000"/>
+              </a:lnSpc>
+              <a:spcBef>
+                <a:spcPts val="200"/>
+              </a:spcBef>
+              <a:spcAft>
+                <a:spcPts val="400"/>
+              </a:spcAft>
+              <a:buClr>
+                <a:schemeClr val="accent1"/>
+              </a:buClr>
+              <a:buFont typeface="Calibri" pitchFamily="34" charset="0"/>
+              <a:buChar char="◦"/>
+              <a:defRPr sz="1400" kern="1200">
+                <a:solidFill>
+                  <a:schemeClr val="tx1">
+                    <a:lumMod val="75000"/>
+                    <a:lumOff val="25000"/>
+                  </a:schemeClr>
+                </a:solidFill>
+                <a:latin typeface="+mn-lt"/>
+                <a:ea typeface="+mn-ea"/>
+                <a:cs typeface="+mn-cs"/>
+              </a:defRPr>
+            </a:lvl3pPr>
+            <a:lvl4pPr marL="749808" indent="-182880" algn="l" defTabSz="914400" rtl="0" eaLnBrk="1" latinLnBrk="0" hangingPunct="1">
+              <a:lnSpc>
+                <a:spcPct val="90000"/>
+              </a:lnSpc>
+              <a:spcBef>
+                <a:spcPts val="200"/>
+              </a:spcBef>
+              <a:spcAft>
+                <a:spcPts val="400"/>
+              </a:spcAft>
+              <a:buClr>
+                <a:schemeClr val="accent1"/>
+              </a:buClr>
+              <a:buFont typeface="Calibri" pitchFamily="34" charset="0"/>
+              <a:buChar char="◦"/>
+              <a:defRPr sz="1400" kern="1200">
+                <a:solidFill>
+                  <a:schemeClr val="tx1">
+                    <a:lumMod val="75000"/>
+                    <a:lumOff val="25000"/>
+                  </a:schemeClr>
+                </a:solidFill>
+                <a:latin typeface="+mn-lt"/>
+                <a:ea typeface="+mn-ea"/>
+                <a:cs typeface="+mn-cs"/>
+              </a:defRPr>
+            </a:lvl4pPr>
+            <a:lvl5pPr marL="932688" indent="-182880" algn="l" defTabSz="914400" rtl="0" eaLnBrk="1" latinLnBrk="0" hangingPunct="1">
+              <a:lnSpc>
+                <a:spcPct val="90000"/>
+              </a:lnSpc>
+              <a:spcBef>
+                <a:spcPts val="200"/>
+              </a:spcBef>
+              <a:spcAft>
+                <a:spcPts val="400"/>
+              </a:spcAft>
+              <a:buClr>
+                <a:schemeClr val="accent1"/>
+              </a:buClr>
+              <a:buFont typeface="Calibri" pitchFamily="34" charset="0"/>
+              <a:buChar char="◦"/>
+              <a:defRPr sz="1400" kern="1200">
+                <a:solidFill>
+                  <a:schemeClr val="tx1">
+                    <a:lumMod val="75000"/>
+                    <a:lumOff val="25000"/>
+                  </a:schemeClr>
+                </a:solidFill>
+                <a:latin typeface="+mn-lt"/>
+                <a:ea typeface="+mn-ea"/>
+                <a:cs typeface="+mn-cs"/>
+              </a:defRPr>
+            </a:lvl5pPr>
+            <a:lvl6pPr marL="1100000" indent="-228600" algn="l" defTabSz="914400" rtl="0" eaLnBrk="1" latinLnBrk="0" hangingPunct="1">
+              <a:lnSpc>
+                <a:spcPct val="90000"/>
+              </a:lnSpc>
+              <a:spcBef>
+                <a:spcPts val="200"/>
+              </a:spcBef>
+              <a:spcAft>
+                <a:spcPts val="400"/>
+              </a:spcAft>
+              <a:buClr>
+                <a:schemeClr val="accent1"/>
+              </a:buClr>
+              <a:buFont typeface="Calibri" pitchFamily="34" charset="0"/>
+              <a:buChar char="◦"/>
+              <a:defRPr sz="1400" kern="1200">
+                <a:solidFill>
+                  <a:schemeClr val="tx1">
+                    <a:lumMod val="75000"/>
+                    <a:lumOff val="25000"/>
+                  </a:schemeClr>
+                </a:solidFill>
+                <a:latin typeface="+mn-lt"/>
+                <a:ea typeface="+mn-ea"/>
+                <a:cs typeface="+mn-cs"/>
+              </a:defRPr>
+            </a:lvl6pPr>
+            <a:lvl7pPr marL="1300000" indent="-228600" algn="l" defTabSz="914400" rtl="0" eaLnBrk="1" latinLnBrk="0" hangingPunct="1">
+              <a:lnSpc>
+                <a:spcPct val="90000"/>
+              </a:lnSpc>
+              <a:spcBef>
+                <a:spcPts val="200"/>
+              </a:spcBef>
+              <a:spcAft>
+                <a:spcPts val="400"/>
+              </a:spcAft>
+              <a:buClr>
+                <a:schemeClr val="accent1"/>
+              </a:buClr>
+              <a:buFont typeface="Calibri" pitchFamily="34" charset="0"/>
+              <a:buChar char="◦"/>
+              <a:defRPr sz="1400" kern="1200">
+                <a:solidFill>
+                  <a:schemeClr val="tx1">
+                    <a:lumMod val="75000"/>
+                    <a:lumOff val="25000"/>
+                  </a:schemeClr>
+                </a:solidFill>
+                <a:latin typeface="+mn-lt"/>
+                <a:ea typeface="+mn-ea"/>
+                <a:cs typeface="+mn-cs"/>
+              </a:defRPr>
+            </a:lvl7pPr>
+            <a:lvl8pPr marL="1500000" indent="-228600" algn="l" defTabSz="914400" rtl="0" eaLnBrk="1" latinLnBrk="0" hangingPunct="1">
+              <a:lnSpc>
+                <a:spcPct val="90000"/>
+              </a:lnSpc>
+              <a:spcBef>
+                <a:spcPts val="200"/>
+              </a:spcBef>
+              <a:spcAft>
+                <a:spcPts val="400"/>
+              </a:spcAft>
+              <a:buClr>
+                <a:schemeClr val="accent1"/>
+              </a:buClr>
+              <a:buFont typeface="Calibri" pitchFamily="34" charset="0"/>
+              <a:buChar char="◦"/>
+              <a:defRPr sz="1400" kern="1200">
+                <a:solidFill>
+                  <a:schemeClr val="tx1">
+                    <a:lumMod val="75000"/>
+                    <a:lumOff val="25000"/>
+                  </a:schemeClr>
+                </a:solidFill>
+                <a:latin typeface="+mn-lt"/>
+                <a:ea typeface="+mn-ea"/>
+                <a:cs typeface="+mn-cs"/>
+              </a:defRPr>
+            </a:lvl8pPr>
+            <a:lvl9pPr marL="1700000" indent="-228600" algn="l" defTabSz="914400" rtl="0" eaLnBrk="1" latinLnBrk="0" hangingPunct="1">
+              <a:lnSpc>
+                <a:spcPct val="90000"/>
+              </a:lnSpc>
+              <a:spcBef>
+                <a:spcPts val="200"/>
+              </a:spcBef>
+              <a:spcAft>
+                <a:spcPts val="400"/>
+              </a:spcAft>
+              <a:buClr>
+                <a:schemeClr val="accent1"/>
+              </a:buClr>
+              <a:buFont typeface="Calibri" pitchFamily="34" charset="0"/>
+              <a:buChar char="◦"/>
+              <a:defRPr sz="1400" kern="1200">
+                <a:solidFill>
+                  <a:schemeClr val="tx1">
+                    <a:lumMod val="75000"/>
+                    <a:lumOff val="25000"/>
+                  </a:schemeClr>
+                </a:solidFill>
+                <a:latin typeface="+mn-lt"/>
+                <a:ea typeface="+mn-ea"/>
+                <a:cs typeface="+mn-cs"/>
+              </a:defRPr>
+            </a:lvl9pPr>
+          </a:lstStyle>
+          <a:p>
+            <a:pPr marL="0" indent="0" algn="just">
+              <a:buNone/>
+            </a:pPr>
+            <a:endParaRPr lang="es-AR" sz="2000" dirty="0" smtClean="0">
+              <a:latin typeface="CMU Serif" panose="02000603000000000000" pitchFamily="2" charset="0"/>
+              <a:ea typeface="CMU Serif" panose="02000603000000000000" pitchFamily="2" charset="0"/>
+              <a:cs typeface="CMU Serif" panose="02000603000000000000" pitchFamily="2" charset="0"/>
+            </a:endParaRPr>
+          </a:p>
+        </p:txBody>
+      </p:sp>
+      <mc:AlternateContent xmlns:mc="http://schemas.openxmlformats.org/markup-compatibility/2006">
+        <mc:Choice xmlns:a14="http://schemas.microsoft.com/office/drawing/2010/main" Requires="a14">
+          <p:sp>
+            <p:nvSpPr>
+              <p:cNvPr id="14" name="Content Placeholder 2"/>
+              <p:cNvSpPr txBox="1">
+                <a:spLocks/>
+              </p:cNvSpPr>
+              <p:nvPr/>
+            </p:nvSpPr>
+            <p:spPr>
+              <a:xfrm>
+                <a:off x="351719" y="3481846"/>
+                <a:ext cx="11616296" cy="2559361"/>
+              </a:xfrm>
+              <a:prstGeom prst="rect">
+                <a:avLst/>
+              </a:prstGeom>
+            </p:spPr>
+            <p:txBody>
+              <a:bodyPr vert="horz" lIns="0" tIns="45720" rIns="0" bIns="45720" rtlCol="0">
+                <a:noAutofit/>
+              </a:bodyPr>
+              <a:lstStyle>
+                <a:lvl1pPr marL="91440" indent="-91440" algn="l" defTabSz="914400" rtl="0" eaLnBrk="1" latinLnBrk="0" hangingPunct="1">
+                  <a:lnSpc>
+                    <a:spcPct val="90000"/>
+                  </a:lnSpc>
+                  <a:spcBef>
+                    <a:spcPts val="1200"/>
+                  </a:spcBef>
+                  <a:spcAft>
+                    <a:spcPts val="200"/>
+                  </a:spcAft>
+                  <a:buClr>
+                    <a:schemeClr val="accent1"/>
+                  </a:buClr>
+                  <a:buSzPct val="100000"/>
+                  <a:buFont typeface="Calibri" panose="020F0502020204030204" pitchFamily="34" charset="0"/>
+                  <a:buChar char=" "/>
+                  <a:defRPr sz="2000" kern="1200">
+                    <a:solidFill>
+                      <a:schemeClr val="tx1">
+                        <a:lumMod val="75000"/>
+                        <a:lumOff val="25000"/>
+                      </a:schemeClr>
+                    </a:solidFill>
+                    <a:latin typeface="+mn-lt"/>
+                    <a:ea typeface="+mn-ea"/>
+                    <a:cs typeface="+mn-cs"/>
+                  </a:defRPr>
+                </a:lvl1pPr>
+                <a:lvl2pPr marL="384048" indent="-182880" algn="l" defTabSz="914400" rtl="0" eaLnBrk="1" latinLnBrk="0" hangingPunct="1">
+                  <a:lnSpc>
+                    <a:spcPct val="90000"/>
+                  </a:lnSpc>
+                  <a:spcBef>
+                    <a:spcPts val="200"/>
+                  </a:spcBef>
+                  <a:spcAft>
+                    <a:spcPts val="400"/>
+                  </a:spcAft>
+                  <a:buClr>
+                    <a:schemeClr val="accent1"/>
+                  </a:buClr>
+                  <a:buFont typeface="Calibri" pitchFamily="34" charset="0"/>
+                  <a:buChar char="◦"/>
+                  <a:defRPr sz="1800" kern="1200">
+                    <a:solidFill>
+                      <a:schemeClr val="tx1">
+                        <a:lumMod val="75000"/>
+                        <a:lumOff val="25000"/>
+                      </a:schemeClr>
+                    </a:solidFill>
+                    <a:latin typeface="+mn-lt"/>
+                    <a:ea typeface="+mn-ea"/>
+                    <a:cs typeface="+mn-cs"/>
+                  </a:defRPr>
+                </a:lvl2pPr>
+                <a:lvl3pPr marL="566928" indent="-182880" algn="l" defTabSz="914400" rtl="0" eaLnBrk="1" latinLnBrk="0" hangingPunct="1">
+                  <a:lnSpc>
+                    <a:spcPct val="90000"/>
+                  </a:lnSpc>
+                  <a:spcBef>
+                    <a:spcPts val="200"/>
+                  </a:spcBef>
+                  <a:spcAft>
+                    <a:spcPts val="400"/>
+                  </a:spcAft>
+                  <a:buClr>
+                    <a:schemeClr val="accent1"/>
+                  </a:buClr>
+                  <a:buFont typeface="Calibri" pitchFamily="34" charset="0"/>
+                  <a:buChar char="◦"/>
+                  <a:defRPr sz="1400" kern="1200">
+                    <a:solidFill>
+                      <a:schemeClr val="tx1">
+                        <a:lumMod val="75000"/>
+                        <a:lumOff val="25000"/>
+                      </a:schemeClr>
+                    </a:solidFill>
+                    <a:latin typeface="+mn-lt"/>
+                    <a:ea typeface="+mn-ea"/>
+                    <a:cs typeface="+mn-cs"/>
+                  </a:defRPr>
+                </a:lvl3pPr>
+                <a:lvl4pPr marL="749808" indent="-182880" algn="l" defTabSz="914400" rtl="0" eaLnBrk="1" latinLnBrk="0" hangingPunct="1">
+                  <a:lnSpc>
+                    <a:spcPct val="90000"/>
+                  </a:lnSpc>
+                  <a:spcBef>
+                    <a:spcPts val="200"/>
+                  </a:spcBef>
+                  <a:spcAft>
+                    <a:spcPts val="400"/>
+                  </a:spcAft>
+                  <a:buClr>
+                    <a:schemeClr val="accent1"/>
+                  </a:buClr>
+                  <a:buFont typeface="Calibri" pitchFamily="34" charset="0"/>
+                  <a:buChar char="◦"/>
+                  <a:defRPr sz="1400" kern="1200">
+                    <a:solidFill>
+                      <a:schemeClr val="tx1">
+                        <a:lumMod val="75000"/>
+                        <a:lumOff val="25000"/>
+                      </a:schemeClr>
+                    </a:solidFill>
+                    <a:latin typeface="+mn-lt"/>
+                    <a:ea typeface="+mn-ea"/>
+                    <a:cs typeface="+mn-cs"/>
+                  </a:defRPr>
+                </a:lvl4pPr>
+                <a:lvl5pPr marL="932688" indent="-182880" algn="l" defTabSz="914400" rtl="0" eaLnBrk="1" latinLnBrk="0" hangingPunct="1">
+                  <a:lnSpc>
+                    <a:spcPct val="90000"/>
+                  </a:lnSpc>
+                  <a:spcBef>
+                    <a:spcPts val="200"/>
+                  </a:spcBef>
+                  <a:spcAft>
+                    <a:spcPts val="400"/>
+                  </a:spcAft>
+                  <a:buClr>
+                    <a:schemeClr val="accent1"/>
+                  </a:buClr>
+                  <a:buFont typeface="Calibri" pitchFamily="34" charset="0"/>
+                  <a:buChar char="◦"/>
+                  <a:defRPr sz="1400" kern="1200">
+                    <a:solidFill>
+                      <a:schemeClr val="tx1">
+                        <a:lumMod val="75000"/>
+                        <a:lumOff val="25000"/>
+                      </a:schemeClr>
+                    </a:solidFill>
+                    <a:latin typeface="+mn-lt"/>
+                    <a:ea typeface="+mn-ea"/>
+                    <a:cs typeface="+mn-cs"/>
+                  </a:defRPr>
+                </a:lvl5pPr>
+                <a:lvl6pPr marL="1100000" indent="-228600" algn="l" defTabSz="914400" rtl="0" eaLnBrk="1" latinLnBrk="0" hangingPunct="1">
+                  <a:lnSpc>
+                    <a:spcPct val="90000"/>
+                  </a:lnSpc>
+                  <a:spcBef>
+                    <a:spcPts val="200"/>
+                  </a:spcBef>
+                  <a:spcAft>
+                    <a:spcPts val="400"/>
+                  </a:spcAft>
+                  <a:buClr>
+                    <a:schemeClr val="accent1"/>
+                  </a:buClr>
+                  <a:buFont typeface="Calibri" pitchFamily="34" charset="0"/>
+                  <a:buChar char="◦"/>
+                  <a:defRPr sz="1400" kern="1200">
+                    <a:solidFill>
+                      <a:schemeClr val="tx1">
+                        <a:lumMod val="75000"/>
+                        <a:lumOff val="25000"/>
+                      </a:schemeClr>
+                    </a:solidFill>
+                    <a:latin typeface="+mn-lt"/>
+                    <a:ea typeface="+mn-ea"/>
+                    <a:cs typeface="+mn-cs"/>
+                  </a:defRPr>
+                </a:lvl6pPr>
+                <a:lvl7pPr marL="1300000" indent="-228600" algn="l" defTabSz="914400" rtl="0" eaLnBrk="1" latinLnBrk="0" hangingPunct="1">
+                  <a:lnSpc>
+                    <a:spcPct val="90000"/>
+                  </a:lnSpc>
+                  <a:spcBef>
+                    <a:spcPts val="200"/>
+                  </a:spcBef>
+                  <a:spcAft>
+                    <a:spcPts val="400"/>
+                  </a:spcAft>
+                  <a:buClr>
+                    <a:schemeClr val="accent1"/>
+                  </a:buClr>
+                  <a:buFont typeface="Calibri" pitchFamily="34" charset="0"/>
+                  <a:buChar char="◦"/>
+                  <a:defRPr sz="1400" kern="1200">
+                    <a:solidFill>
+                      <a:schemeClr val="tx1">
+                        <a:lumMod val="75000"/>
+                        <a:lumOff val="25000"/>
+                      </a:schemeClr>
+                    </a:solidFill>
+                    <a:latin typeface="+mn-lt"/>
+                    <a:ea typeface="+mn-ea"/>
+                    <a:cs typeface="+mn-cs"/>
+                  </a:defRPr>
+                </a:lvl7pPr>
+                <a:lvl8pPr marL="1500000" indent="-228600" algn="l" defTabSz="914400" rtl="0" eaLnBrk="1" latinLnBrk="0" hangingPunct="1">
+                  <a:lnSpc>
+                    <a:spcPct val="90000"/>
+                  </a:lnSpc>
+                  <a:spcBef>
+                    <a:spcPts val="200"/>
+                  </a:spcBef>
+                  <a:spcAft>
+                    <a:spcPts val="400"/>
+                  </a:spcAft>
+                  <a:buClr>
+                    <a:schemeClr val="accent1"/>
+                  </a:buClr>
+                  <a:buFont typeface="Calibri" pitchFamily="34" charset="0"/>
+                  <a:buChar char="◦"/>
+                  <a:defRPr sz="1400" kern="1200">
+                    <a:solidFill>
+                      <a:schemeClr val="tx1">
+                        <a:lumMod val="75000"/>
+                        <a:lumOff val="25000"/>
+                      </a:schemeClr>
+                    </a:solidFill>
+                    <a:latin typeface="+mn-lt"/>
+                    <a:ea typeface="+mn-ea"/>
+                    <a:cs typeface="+mn-cs"/>
+                  </a:defRPr>
+                </a:lvl8pPr>
+                <a:lvl9pPr marL="1700000" indent="-228600" algn="l" defTabSz="914400" rtl="0" eaLnBrk="1" latinLnBrk="0" hangingPunct="1">
+                  <a:lnSpc>
+                    <a:spcPct val="90000"/>
+                  </a:lnSpc>
+                  <a:spcBef>
+                    <a:spcPts val="200"/>
+                  </a:spcBef>
+                  <a:spcAft>
+                    <a:spcPts val="400"/>
+                  </a:spcAft>
+                  <a:buClr>
+                    <a:schemeClr val="accent1"/>
+                  </a:buClr>
+                  <a:buFont typeface="Calibri" pitchFamily="34" charset="0"/>
+                  <a:buChar char="◦"/>
+                  <a:defRPr sz="1400" kern="1200">
+                    <a:solidFill>
+                      <a:schemeClr val="tx1">
+                        <a:lumMod val="75000"/>
+                        <a:lumOff val="25000"/>
+                      </a:schemeClr>
+                    </a:solidFill>
+                    <a:latin typeface="+mn-lt"/>
+                    <a:ea typeface="+mn-ea"/>
+                    <a:cs typeface="+mn-cs"/>
+                  </a:defRPr>
+                </a:lvl9pPr>
+              </a:lstStyle>
+              <a:p>
+                <a:pPr algn="just">
+                  <a:buFont typeface="Arial" panose="020B0604020202020204" pitchFamily="34" charset="0"/>
+                  <a:buChar char="•"/>
+                </a:pPr>
+                <a:r>
+                  <a:rPr lang="es-AR" sz="1800" dirty="0" smtClean="0">
+                    <a:latin typeface="CMU Serif" panose="02000603000000000000" pitchFamily="2" charset="0"/>
+                    <a:ea typeface="CMU Serif" panose="02000603000000000000" pitchFamily="2" charset="0"/>
+                    <a:cs typeface="CMU Serif" panose="02000603000000000000" pitchFamily="2" charset="0"/>
+                  </a:rPr>
+                  <a:t> </a:t>
+                </a:r>
+                <a:r>
+                  <a:rPr lang="es-AR" sz="1800" dirty="0"/>
+                  <a:t>¿Cómo “aprende” la red </a:t>
+                </a:r>
+                <a:r>
+                  <a:rPr lang="es-AR" sz="1800" dirty="0" smtClean="0"/>
+                  <a:t>neuronal?</a:t>
+                </a:r>
+              </a:p>
+              <a:p>
+                <a:pPr lvl="1" algn="just">
+                  <a:buFont typeface="Arial" panose="020B0604020202020204" pitchFamily="34" charset="0"/>
+                  <a:buChar char="•"/>
+                </a:pPr>
+                <a:r>
+                  <a:rPr lang="es-AR" sz="1600" dirty="0" err="1" smtClean="0">
+                    <a:latin typeface="CMU Serif" panose="02000603000000000000" pitchFamily="2" charset="0"/>
+                    <a:ea typeface="CMU Serif" panose="02000603000000000000" pitchFamily="2" charset="0"/>
+                    <a:cs typeface="CMU Serif" panose="02000603000000000000" pitchFamily="2" charset="0"/>
+                  </a:rPr>
+                  <a:t>Backpropagation</a:t>
+                </a:r>
+                <a:r>
+                  <a:rPr lang="es-AR" sz="1600" dirty="0" smtClean="0">
+                    <a:latin typeface="CMU Serif" panose="02000603000000000000" pitchFamily="2" charset="0"/>
+                    <a:ea typeface="CMU Serif" panose="02000603000000000000" pitchFamily="2" charset="0"/>
+                    <a:cs typeface="CMU Serif" panose="02000603000000000000" pitchFamily="2" charset="0"/>
+                  </a:rPr>
+                  <a:t> </a:t>
+                </a:r>
+                <a:r>
+                  <a:rPr lang="es-AR" sz="1600" dirty="0" smtClean="0">
+                    <a:latin typeface="Cambria Math" panose="02040503050406030204" pitchFamily="18" charset="0"/>
+                    <a:ea typeface="Cambria Math" panose="02040503050406030204" pitchFamily="18" charset="0"/>
+                    <a:cs typeface="CMU Serif" panose="02000603000000000000" pitchFamily="2" charset="0"/>
+                  </a:rPr>
+                  <a:t>→ </a:t>
+                </a:r>
+                <a:r>
+                  <a:rPr lang="es-AR" sz="1600" dirty="0" smtClean="0">
+                    <a:latin typeface="CMU Serif" panose="02000603000000000000" pitchFamily="2" charset="0"/>
+                    <a:ea typeface="CMU Serif" panose="02000603000000000000" pitchFamily="2" charset="0"/>
+                    <a:cs typeface="CMU Serif" panose="02000603000000000000" pitchFamily="2" charset="0"/>
+                  </a:rPr>
+                  <a:t>Se calculan gradientes de un error </a:t>
+                </a:r>
+                <a14:m>
+                  <m:oMath xmlns:m="http://schemas.openxmlformats.org/officeDocument/2006/math">
+                    <m:r>
+                      <a:rPr lang="es-AR" sz="1600" b="0" i="1" smtClean="0">
+                        <a:latin typeface="Cambria Math" panose="02040503050406030204" pitchFamily="18" charset="0"/>
+                        <a:ea typeface="CMU Serif" panose="02000603000000000000" pitchFamily="2" charset="0"/>
+                        <a:cs typeface="CMU Serif" panose="02000603000000000000" pitchFamily="2" charset="0"/>
+                      </a:rPr>
+                      <m:t>𝐸</m:t>
+                    </m:r>
+                  </m:oMath>
+                </a14:m>
+                <a:r>
+                  <a:rPr lang="es-AR" sz="1600" dirty="0" smtClean="0">
+                    <a:latin typeface="CMU Serif" panose="02000603000000000000" pitchFamily="2" charset="0"/>
+                    <a:ea typeface="CMU Serif" panose="02000603000000000000" pitchFamily="2" charset="0"/>
+                    <a:cs typeface="CMU Serif" panose="02000603000000000000" pitchFamily="2" charset="0"/>
+                  </a:rPr>
+                  <a:t> con respecto a </a:t>
+                </a:r>
+                <a:r>
+                  <a:rPr lang="es-AR" sz="1600" dirty="0" smtClean="0">
+                    <a:latin typeface="CMU Serif" panose="02000603000000000000" pitchFamily="2" charset="0"/>
+                    <a:ea typeface="CMU Serif" panose="02000603000000000000" pitchFamily="2" charset="0"/>
+                    <a:cs typeface="CMU Serif" panose="02000603000000000000" pitchFamily="2" charset="0"/>
+                  </a:rPr>
+                  <a:t>los parámetros de la red (pesos, </a:t>
+                </a:r>
+                <a:r>
+                  <a:rPr lang="es-AR" sz="1600" dirty="0" err="1" smtClean="0">
+                    <a:latin typeface="CMU Serif" panose="02000603000000000000" pitchFamily="2" charset="0"/>
+                    <a:ea typeface="CMU Serif" panose="02000603000000000000" pitchFamily="2" charset="0"/>
+                    <a:cs typeface="CMU Serif" panose="02000603000000000000" pitchFamily="2" charset="0"/>
+                  </a:rPr>
+                  <a:t>biases</a:t>
+                </a:r>
+                <a:r>
+                  <a:rPr lang="es-AR" sz="1600" dirty="0" smtClean="0">
+                    <a:latin typeface="CMU Serif" panose="02000603000000000000" pitchFamily="2" charset="0"/>
+                    <a:ea typeface="CMU Serif" panose="02000603000000000000" pitchFamily="2" charset="0"/>
+                    <a:cs typeface="CMU Serif" panose="02000603000000000000" pitchFamily="2" charset="0"/>
+                  </a:rPr>
+                  <a:t>).</a:t>
+                </a:r>
+              </a:p>
+              <a:p>
+                <a:pPr lvl="1" algn="just">
+                  <a:buFont typeface="Arial" panose="020B0604020202020204" pitchFamily="34" charset="0"/>
+                  <a:buChar char="•"/>
+                </a:pPr>
+                <a:r>
+                  <a:rPr lang="es-AR" sz="1600" dirty="0" smtClean="0">
+                    <a:latin typeface="CMU Serif" panose="02000603000000000000" pitchFamily="2" charset="0"/>
+                    <a:ea typeface="CMU Serif" panose="02000603000000000000" pitchFamily="2" charset="0"/>
+                    <a:cs typeface="CMU Serif" panose="02000603000000000000" pitchFamily="2" charset="0"/>
+                  </a:rPr>
+                  <a:t>El error viene dado por la función de pérdida </a:t>
+                </a:r>
+                <a14:m>
+                  <m:oMath xmlns:m="http://schemas.openxmlformats.org/officeDocument/2006/math">
+                    <m:r>
+                      <a:rPr lang="es-AR" sz="1600" b="0" i="1" smtClean="0">
+                        <a:latin typeface="Cambria Math" panose="02040503050406030204" pitchFamily="18" charset="0"/>
+                        <a:ea typeface="CMU Serif" panose="02000603000000000000" pitchFamily="2" charset="0"/>
+                        <a:cs typeface="CMU Serif" panose="02000603000000000000" pitchFamily="2" charset="0"/>
+                      </a:rPr>
+                      <m:t>ℒ</m:t>
+                    </m:r>
+                  </m:oMath>
+                </a14:m>
+                <a:r>
+                  <a:rPr lang="es-AR" sz="1600" dirty="0" smtClean="0">
+                    <a:latin typeface="CMU Serif" panose="02000603000000000000" pitchFamily="2" charset="0"/>
+                    <a:ea typeface="CMU Serif" panose="02000603000000000000" pitchFamily="2" charset="0"/>
+                    <a:cs typeface="CMU Serif" panose="02000603000000000000" pitchFamily="2" charset="0"/>
+                  </a:rPr>
+                  <a:t>. En nuestro caso:</a:t>
+                </a:r>
+              </a:p>
+              <a:p>
+                <a:pPr marL="201168" lvl="1" indent="0" algn="just">
+                  <a:buNone/>
+                </a:pPr>
+                <a:endParaRPr lang="es-AR" sz="1600" dirty="0" smtClean="0">
+                  <a:latin typeface="CMU Serif" panose="02000603000000000000" pitchFamily="2" charset="0"/>
+                  <a:ea typeface="CMU Serif" panose="02000603000000000000" pitchFamily="2" charset="0"/>
+                  <a:cs typeface="CMU Serif" panose="02000603000000000000" pitchFamily="2" charset="0"/>
+                </a:endParaRPr>
+              </a:p>
+              <a:p>
+                <a:pPr marL="201168" lvl="1" indent="0" algn="just">
+                  <a:buNone/>
+                </a:pPr>
+                <a14:m>
+                  <m:oMathPara xmlns:m="http://schemas.openxmlformats.org/officeDocument/2006/math">
+                    <m:oMathParaPr>
+                      <m:jc m:val="centerGroup"/>
+                    </m:oMathParaPr>
+                    <m:oMath xmlns:m="http://schemas.openxmlformats.org/officeDocument/2006/math">
+                      <m:r>
+                        <a:rPr lang="es-AR" sz="1600" i="1" smtClean="0">
+                          <a:solidFill>
+                            <a:schemeClr val="tx1"/>
+                          </a:solidFill>
+                          <a:latin typeface="Cambria Math" panose="02040503050406030204" pitchFamily="18" charset="0"/>
+                          <a:ea typeface="CMU Serif" panose="02000603000000000000" pitchFamily="2" charset="0"/>
+                          <a:cs typeface="CMU Serif" panose="02000603000000000000" pitchFamily="2" charset="0"/>
+                        </a:rPr>
+                        <m:t>ℒ</m:t>
+                      </m:r>
+                      <m:r>
+                        <a:rPr lang="es-AR" sz="1600" b="0" i="1" smtClean="0">
+                          <a:solidFill>
+                            <a:schemeClr val="tx1"/>
+                          </a:solidFill>
+                          <a:latin typeface="Cambria Math" panose="02040503050406030204" pitchFamily="18" charset="0"/>
+                          <a:ea typeface="CMU Serif" panose="02000603000000000000" pitchFamily="2" charset="0"/>
+                          <a:cs typeface="CMU Serif" panose="02000603000000000000" pitchFamily="2" charset="0"/>
+                        </a:rPr>
+                        <m:t>=</m:t>
+                      </m:r>
+                      <m:r>
+                        <m:rPr>
+                          <m:sty m:val="p"/>
+                        </m:rPr>
+                        <a:rPr lang="es-AR" sz="1600" b="0" i="0" smtClean="0">
+                          <a:solidFill>
+                            <a:schemeClr val="tx1"/>
+                          </a:solidFill>
+                          <a:latin typeface="Cambria Math" panose="02040503050406030204" pitchFamily="18" charset="0"/>
+                          <a:ea typeface="CMU Serif" panose="02000603000000000000" pitchFamily="2" charset="0"/>
+                          <a:cs typeface="CMU Serif" panose="02000603000000000000" pitchFamily="2" charset="0"/>
+                        </a:rPr>
+                        <m:t>BCE</m:t>
+                      </m:r>
+                      <m:d>
+                        <m:dPr>
+                          <m:ctrlPr>
+                            <a:rPr lang="es-AR" sz="1600" b="0" i="1" smtClean="0">
+                              <a:solidFill>
+                                <a:schemeClr val="tx1"/>
+                              </a:solidFill>
+                              <a:latin typeface="Cambria Math" panose="02040503050406030204" pitchFamily="18" charset="0"/>
+                              <a:ea typeface="CMU Serif" panose="02000603000000000000" pitchFamily="2" charset="0"/>
+                              <a:cs typeface="CMU Serif" panose="02000603000000000000" pitchFamily="2" charset="0"/>
+                            </a:rPr>
+                          </m:ctrlPr>
+                        </m:dPr>
+                        <m:e>
+                          <m:r>
+                            <a:rPr lang="es-AR" sz="1600" b="0" i="1" smtClean="0">
+                              <a:solidFill>
+                                <a:schemeClr val="tx1"/>
+                              </a:solidFill>
+                              <a:latin typeface="Cambria Math" panose="02040503050406030204" pitchFamily="18" charset="0"/>
+                              <a:ea typeface="CMU Serif" panose="02000603000000000000" pitchFamily="2" charset="0"/>
+                              <a:cs typeface="CMU Serif" panose="02000603000000000000" pitchFamily="2" charset="0"/>
+                            </a:rPr>
+                            <m:t>𝑝</m:t>
+                          </m:r>
+                          <m:r>
+                            <a:rPr lang="es-AR" sz="1600" b="0" i="1" smtClean="0">
+                              <a:solidFill>
+                                <a:schemeClr val="tx1"/>
+                              </a:solidFill>
+                              <a:latin typeface="Cambria Math" panose="02040503050406030204" pitchFamily="18" charset="0"/>
+                              <a:ea typeface="CMU Serif" panose="02000603000000000000" pitchFamily="2" charset="0"/>
+                              <a:cs typeface="CMU Serif" panose="02000603000000000000" pitchFamily="2" charset="0"/>
+                            </a:rPr>
+                            <m:t>, </m:t>
+                          </m:r>
+                          <m:r>
+                            <a:rPr lang="es-AR" sz="1600" b="0" i="1" smtClean="0">
+                              <a:solidFill>
+                                <a:schemeClr val="tx1"/>
+                              </a:solidFill>
+                              <a:latin typeface="Cambria Math" panose="02040503050406030204" pitchFamily="18" charset="0"/>
+                              <a:ea typeface="CMU Serif" panose="02000603000000000000" pitchFamily="2" charset="0"/>
+                              <a:cs typeface="CMU Serif" panose="02000603000000000000" pitchFamily="2" charset="0"/>
+                            </a:rPr>
+                            <m:t>𝐴</m:t>
+                          </m:r>
+                        </m:e>
+                      </m:d>
+                      <m:r>
+                        <a:rPr lang="es-AR" sz="1600" b="0" i="1" smtClean="0">
+                          <a:solidFill>
+                            <a:schemeClr val="tx1"/>
+                          </a:solidFill>
+                          <a:latin typeface="Cambria Math" panose="02040503050406030204" pitchFamily="18" charset="0"/>
+                          <a:ea typeface="CMU Serif" panose="02000603000000000000" pitchFamily="2" charset="0"/>
+                          <a:cs typeface="CMU Serif" panose="02000603000000000000" pitchFamily="2" charset="0"/>
+                        </a:rPr>
+                        <m:t>=−</m:t>
+                      </m:r>
+                      <m:nary>
+                        <m:naryPr>
+                          <m:chr m:val="∑"/>
+                          <m:ctrlPr>
+                            <a:rPr lang="es-AR" sz="1600" b="0" i="1" smtClean="0">
+                              <a:solidFill>
+                                <a:schemeClr val="tx1"/>
+                              </a:solidFill>
+                              <a:latin typeface="Cambria Math" panose="02040503050406030204" pitchFamily="18" charset="0"/>
+                              <a:ea typeface="CMU Serif" panose="02000603000000000000" pitchFamily="2" charset="0"/>
+                              <a:cs typeface="CMU Serif" panose="02000603000000000000" pitchFamily="2" charset="0"/>
+                            </a:rPr>
+                          </m:ctrlPr>
+                        </m:naryPr>
+                        <m:sub>
+                          <m:r>
+                            <m:rPr>
+                              <m:brk m:alnAt="23"/>
+                            </m:rPr>
+                            <a:rPr lang="es-AR" sz="1600" b="0" i="1" smtClean="0">
+                              <a:solidFill>
+                                <a:schemeClr val="tx1"/>
+                              </a:solidFill>
+                              <a:latin typeface="Cambria Math" panose="02040503050406030204" pitchFamily="18" charset="0"/>
+                              <a:ea typeface="CMU Serif" panose="02000603000000000000" pitchFamily="2" charset="0"/>
+                              <a:cs typeface="CMU Serif" panose="02000603000000000000" pitchFamily="2" charset="0"/>
+                            </a:rPr>
+                            <m:t>𝑖</m:t>
+                          </m:r>
+                          <m:r>
+                            <a:rPr lang="es-AR" sz="1600" b="0" i="1" smtClean="0">
+                              <a:solidFill>
+                                <a:schemeClr val="tx1"/>
+                              </a:solidFill>
+                              <a:latin typeface="Cambria Math" panose="02040503050406030204" pitchFamily="18" charset="0"/>
+                              <a:ea typeface="CMU Serif" panose="02000603000000000000" pitchFamily="2" charset="0"/>
+                              <a:cs typeface="CMU Serif" panose="02000603000000000000" pitchFamily="2" charset="0"/>
+                            </a:rPr>
+                            <m:t>=1</m:t>
+                          </m:r>
+                        </m:sub>
+                        <m:sup>
+                          <m:r>
+                            <a:rPr lang="es-AR" sz="1600" b="0" i="1" smtClean="0">
+                              <a:solidFill>
+                                <a:schemeClr val="tx1"/>
+                              </a:solidFill>
+                              <a:latin typeface="Cambria Math" panose="02040503050406030204" pitchFamily="18" charset="0"/>
+                              <a:ea typeface="CMU Serif" panose="02000603000000000000" pitchFamily="2" charset="0"/>
+                              <a:cs typeface="CMU Serif" panose="02000603000000000000" pitchFamily="2" charset="0"/>
+                            </a:rPr>
+                            <m:t>𝑁</m:t>
+                          </m:r>
+                        </m:sup>
+                        <m:e>
+                          <m:nary>
+                            <m:naryPr>
+                              <m:chr m:val="∑"/>
+                              <m:ctrlPr>
+                                <a:rPr lang="es-AR" sz="1600" b="0" i="1" smtClean="0">
+                                  <a:solidFill>
+                                    <a:schemeClr val="tx1"/>
+                                  </a:solidFill>
+                                  <a:latin typeface="Cambria Math" panose="02040503050406030204" pitchFamily="18" charset="0"/>
+                                  <a:ea typeface="CMU Serif" panose="02000603000000000000" pitchFamily="2" charset="0"/>
+                                  <a:cs typeface="CMU Serif" panose="02000603000000000000" pitchFamily="2" charset="0"/>
+                                </a:rPr>
+                              </m:ctrlPr>
+                            </m:naryPr>
+                            <m:sub>
+                              <m:r>
+                                <m:rPr>
+                                  <m:brk m:alnAt="23"/>
+                                </m:rPr>
+                                <a:rPr lang="es-AR" sz="1600" b="0" i="1" smtClean="0">
+                                  <a:solidFill>
+                                    <a:schemeClr val="tx1"/>
+                                  </a:solidFill>
+                                  <a:latin typeface="Cambria Math" panose="02040503050406030204" pitchFamily="18" charset="0"/>
+                                  <a:ea typeface="CMU Serif" panose="02000603000000000000" pitchFamily="2" charset="0"/>
+                                  <a:cs typeface="CMU Serif" panose="02000603000000000000" pitchFamily="2" charset="0"/>
+                                </a:rPr>
+                                <m:t>𝑗</m:t>
+                              </m:r>
+                              <m:r>
+                                <a:rPr lang="es-AR" sz="1600" b="0" i="1" smtClean="0">
+                                  <a:solidFill>
+                                    <a:schemeClr val="tx1"/>
+                                  </a:solidFill>
+                                  <a:latin typeface="Cambria Math" panose="02040503050406030204" pitchFamily="18" charset="0"/>
+                                  <a:ea typeface="CMU Serif" panose="02000603000000000000" pitchFamily="2" charset="0"/>
+                                  <a:cs typeface="CMU Serif" panose="02000603000000000000" pitchFamily="2" charset="0"/>
+                                </a:rPr>
+                                <m:t>=</m:t>
+                              </m:r>
+                              <m:r>
+                                <a:rPr lang="es-AR" sz="1600" b="0" i="1" smtClean="0">
+                                  <a:solidFill>
+                                    <a:schemeClr val="tx1"/>
+                                  </a:solidFill>
+                                  <a:latin typeface="Cambria Math" panose="02040503050406030204" pitchFamily="18" charset="0"/>
+                                  <a:ea typeface="CMU Serif" panose="02000603000000000000" pitchFamily="2" charset="0"/>
+                                  <a:cs typeface="CMU Serif" panose="02000603000000000000" pitchFamily="2" charset="0"/>
+                                </a:rPr>
+                                <m:t>𝑖</m:t>
+                              </m:r>
+                              <m:r>
+                                <a:rPr lang="es-AR" sz="1600" b="0" i="1" smtClean="0">
+                                  <a:solidFill>
+                                    <a:schemeClr val="tx1"/>
+                                  </a:solidFill>
+                                  <a:latin typeface="Cambria Math" panose="02040503050406030204" pitchFamily="18" charset="0"/>
+                                  <a:ea typeface="CMU Serif" panose="02000603000000000000" pitchFamily="2" charset="0"/>
+                                  <a:cs typeface="CMU Serif" panose="02000603000000000000" pitchFamily="2" charset="0"/>
+                                </a:rPr>
+                                <m:t>+1</m:t>
+                              </m:r>
+                            </m:sub>
+                            <m:sup>
+                              <m:r>
+                                <a:rPr lang="es-AR" sz="1600" b="0" i="1" smtClean="0">
+                                  <a:solidFill>
+                                    <a:schemeClr val="tx1"/>
+                                  </a:solidFill>
+                                  <a:latin typeface="Cambria Math" panose="02040503050406030204" pitchFamily="18" charset="0"/>
+                                  <a:ea typeface="CMU Serif" panose="02000603000000000000" pitchFamily="2" charset="0"/>
+                                  <a:cs typeface="CMU Serif" panose="02000603000000000000" pitchFamily="2" charset="0"/>
+                                </a:rPr>
+                                <m:t>𝑁</m:t>
+                              </m:r>
+                            </m:sup>
+                            <m:e>
+                              <m:sSub>
+                                <m:sSubPr>
+                                  <m:ctrlPr>
+                                    <a:rPr lang="es-AR" sz="1600" b="0" i="1" smtClean="0">
+                                      <a:solidFill>
+                                        <a:schemeClr val="tx1"/>
+                                      </a:solidFill>
+                                      <a:latin typeface="Cambria Math" panose="02040503050406030204" pitchFamily="18" charset="0"/>
+                                      <a:ea typeface="CMU Serif" panose="02000603000000000000" pitchFamily="2" charset="0"/>
+                                      <a:cs typeface="CMU Serif" panose="02000603000000000000" pitchFamily="2" charset="0"/>
+                                    </a:rPr>
+                                  </m:ctrlPr>
+                                </m:sSubPr>
+                                <m:e>
+                                  <m:r>
+                                    <a:rPr lang="es-AR" sz="1600" b="0" i="1" smtClean="0">
+                                      <a:solidFill>
+                                        <a:schemeClr val="tx1"/>
+                                      </a:solidFill>
+                                      <a:latin typeface="Cambria Math" panose="02040503050406030204" pitchFamily="18" charset="0"/>
+                                      <a:ea typeface="CMU Serif" panose="02000603000000000000" pitchFamily="2" charset="0"/>
+                                      <a:cs typeface="CMU Serif" panose="02000603000000000000" pitchFamily="2" charset="0"/>
+                                    </a:rPr>
+                                    <m:t>𝐴</m:t>
+                                  </m:r>
+                                </m:e>
+                                <m:sub>
+                                  <m:r>
+                                    <a:rPr lang="es-AR" sz="1600" b="0" i="1" smtClean="0">
+                                      <a:solidFill>
+                                        <a:schemeClr val="tx1"/>
+                                      </a:solidFill>
+                                      <a:latin typeface="Cambria Math" panose="02040503050406030204" pitchFamily="18" charset="0"/>
+                                      <a:ea typeface="CMU Serif" panose="02000603000000000000" pitchFamily="2" charset="0"/>
+                                      <a:cs typeface="CMU Serif" panose="02000603000000000000" pitchFamily="2" charset="0"/>
+                                    </a:rPr>
+                                    <m:t>𝑖𝑗</m:t>
+                                  </m:r>
+                                </m:sub>
+                              </m:sSub>
+                              <m:func>
+                                <m:funcPr>
+                                  <m:ctrlPr>
+                                    <a:rPr lang="es-AR" sz="1600" b="0" i="1" smtClean="0">
+                                      <a:solidFill>
+                                        <a:schemeClr val="tx1"/>
+                                      </a:solidFill>
+                                      <a:latin typeface="Cambria Math" panose="02040503050406030204" pitchFamily="18" charset="0"/>
+                                      <a:ea typeface="CMU Serif" panose="02000603000000000000" pitchFamily="2" charset="0"/>
+                                      <a:cs typeface="CMU Serif" panose="02000603000000000000" pitchFamily="2" charset="0"/>
+                                    </a:rPr>
+                                  </m:ctrlPr>
+                                </m:funcPr>
+                                <m:fName>
+                                  <m:r>
+                                    <m:rPr>
+                                      <m:sty m:val="p"/>
+                                    </m:rPr>
+                                    <a:rPr lang="es-AR" sz="1600" b="0" i="0" smtClean="0">
+                                      <a:solidFill>
+                                        <a:schemeClr val="tx1"/>
+                                      </a:solidFill>
+                                      <a:latin typeface="Cambria Math" panose="02040503050406030204" pitchFamily="18" charset="0"/>
+                                      <a:ea typeface="CMU Serif" panose="02000603000000000000" pitchFamily="2" charset="0"/>
+                                      <a:cs typeface="CMU Serif" panose="02000603000000000000" pitchFamily="2" charset="0"/>
+                                    </a:rPr>
+                                    <m:t>log</m:t>
+                                  </m:r>
+                                </m:fName>
+                                <m:e>
+                                  <m:r>
+                                    <a:rPr lang="es-AR" sz="1600" b="0" i="1" smtClean="0">
+                                      <a:solidFill>
+                                        <a:schemeClr val="tx1"/>
+                                      </a:solidFill>
+                                      <a:latin typeface="Cambria Math" panose="02040503050406030204" pitchFamily="18" charset="0"/>
+                                      <a:ea typeface="CMU Serif" panose="02000603000000000000" pitchFamily="2" charset="0"/>
+                                      <a:cs typeface="CMU Serif" panose="02000603000000000000" pitchFamily="2" charset="0"/>
+                                    </a:rPr>
+                                    <m:t>(</m:t>
+                                  </m:r>
+                                  <m:sSub>
+                                    <m:sSubPr>
+                                      <m:ctrlPr>
+                                        <a:rPr lang="es-AR" sz="1600" b="0" i="1" smtClean="0">
+                                          <a:solidFill>
+                                            <a:schemeClr val="tx1"/>
+                                          </a:solidFill>
+                                          <a:latin typeface="Cambria Math" panose="02040503050406030204" pitchFamily="18" charset="0"/>
+                                          <a:ea typeface="CMU Serif" panose="02000603000000000000" pitchFamily="2" charset="0"/>
+                                          <a:cs typeface="CMU Serif" panose="02000603000000000000" pitchFamily="2" charset="0"/>
+                                        </a:rPr>
+                                      </m:ctrlPr>
+                                    </m:sSubPr>
+                                    <m:e>
+                                      <m:r>
+                                        <a:rPr lang="es-AR" sz="1600" b="0" i="1" smtClean="0">
+                                          <a:solidFill>
+                                            <a:schemeClr val="tx1"/>
+                                          </a:solidFill>
+                                          <a:latin typeface="Cambria Math" panose="02040503050406030204" pitchFamily="18" charset="0"/>
+                                          <a:ea typeface="CMU Serif" panose="02000603000000000000" pitchFamily="2" charset="0"/>
+                                          <a:cs typeface="CMU Serif" panose="02000603000000000000" pitchFamily="2" charset="0"/>
+                                        </a:rPr>
+                                        <m:t>𝑝</m:t>
+                                      </m:r>
+                                    </m:e>
+                                    <m:sub>
+                                      <m:r>
+                                        <a:rPr lang="es-AR" sz="1600" b="0" i="1" smtClean="0">
+                                          <a:solidFill>
+                                            <a:schemeClr val="tx1"/>
+                                          </a:solidFill>
+                                          <a:latin typeface="Cambria Math" panose="02040503050406030204" pitchFamily="18" charset="0"/>
+                                          <a:ea typeface="CMU Serif" panose="02000603000000000000" pitchFamily="2" charset="0"/>
+                                          <a:cs typeface="CMU Serif" panose="02000603000000000000" pitchFamily="2" charset="0"/>
+                                        </a:rPr>
+                                        <m:t>𝑖𝑗</m:t>
+                                      </m:r>
+                                    </m:sub>
+                                  </m:sSub>
+                                  <m:r>
+                                    <a:rPr lang="es-AR" sz="1600" b="0" i="1" smtClean="0">
+                                      <a:solidFill>
+                                        <a:schemeClr val="tx1"/>
+                                      </a:solidFill>
+                                      <a:latin typeface="Cambria Math" panose="02040503050406030204" pitchFamily="18" charset="0"/>
+                                      <a:ea typeface="CMU Serif" panose="02000603000000000000" pitchFamily="2" charset="0"/>
+                                      <a:cs typeface="CMU Serif" panose="02000603000000000000" pitchFamily="2" charset="0"/>
+                                    </a:rPr>
+                                    <m:t>)</m:t>
+                                  </m:r>
+                                </m:e>
+                              </m:func>
+                              <m:r>
+                                <a:rPr lang="es-AR" sz="1600" b="0" i="1" smtClean="0">
+                                  <a:solidFill>
+                                    <a:schemeClr val="tx1"/>
+                                  </a:solidFill>
+                                  <a:latin typeface="Cambria Math" panose="02040503050406030204" pitchFamily="18" charset="0"/>
+                                  <a:ea typeface="CMU Serif" panose="02000603000000000000" pitchFamily="2" charset="0"/>
+                                  <a:cs typeface="CMU Serif" panose="02000603000000000000" pitchFamily="2" charset="0"/>
+                                </a:rPr>
+                                <m:t>+(1−</m:t>
+                              </m:r>
+                              <m:sSub>
+                                <m:sSubPr>
+                                  <m:ctrlPr>
+                                    <a:rPr lang="es-AR" sz="1600" b="0" i="1" smtClean="0">
+                                      <a:solidFill>
+                                        <a:schemeClr val="tx1"/>
+                                      </a:solidFill>
+                                      <a:latin typeface="Cambria Math" panose="02040503050406030204" pitchFamily="18" charset="0"/>
+                                      <a:ea typeface="CMU Serif" panose="02000603000000000000" pitchFamily="2" charset="0"/>
+                                      <a:cs typeface="CMU Serif" panose="02000603000000000000" pitchFamily="2" charset="0"/>
+                                    </a:rPr>
+                                  </m:ctrlPr>
+                                </m:sSubPr>
+                                <m:e>
+                                  <m:r>
+                                    <a:rPr lang="es-AR" sz="1600" b="0" i="1" smtClean="0">
+                                      <a:solidFill>
+                                        <a:schemeClr val="tx1"/>
+                                      </a:solidFill>
+                                      <a:latin typeface="Cambria Math" panose="02040503050406030204" pitchFamily="18" charset="0"/>
+                                      <a:ea typeface="CMU Serif" panose="02000603000000000000" pitchFamily="2" charset="0"/>
+                                      <a:cs typeface="CMU Serif" panose="02000603000000000000" pitchFamily="2" charset="0"/>
+                                    </a:rPr>
+                                    <m:t>𝐴</m:t>
+                                  </m:r>
+                                </m:e>
+                                <m:sub>
+                                  <m:r>
+                                    <a:rPr lang="es-AR" sz="1600" b="0" i="1" smtClean="0">
+                                      <a:solidFill>
+                                        <a:schemeClr val="tx1"/>
+                                      </a:solidFill>
+                                      <a:latin typeface="Cambria Math" panose="02040503050406030204" pitchFamily="18" charset="0"/>
+                                      <a:ea typeface="CMU Serif" panose="02000603000000000000" pitchFamily="2" charset="0"/>
+                                      <a:cs typeface="CMU Serif" panose="02000603000000000000" pitchFamily="2" charset="0"/>
+                                    </a:rPr>
+                                    <m:t>𝑖𝑗</m:t>
+                                  </m:r>
+                                </m:sub>
+                              </m:sSub>
+                              <m:r>
+                                <a:rPr lang="es-AR" sz="1600" b="0" i="1" smtClean="0">
+                                  <a:solidFill>
+                                    <a:schemeClr val="tx1"/>
+                                  </a:solidFill>
+                                  <a:latin typeface="Cambria Math" panose="02040503050406030204" pitchFamily="18" charset="0"/>
+                                  <a:ea typeface="CMU Serif" panose="02000603000000000000" pitchFamily="2" charset="0"/>
+                                  <a:cs typeface="CMU Serif" panose="02000603000000000000" pitchFamily="2" charset="0"/>
+                                </a:rPr>
+                                <m:t>)</m:t>
+                              </m:r>
+                              <m:func>
+                                <m:funcPr>
+                                  <m:ctrlPr>
+                                    <a:rPr lang="es-AR" sz="1600" b="0" i="1" smtClean="0">
+                                      <a:solidFill>
+                                        <a:schemeClr val="tx1"/>
+                                      </a:solidFill>
+                                      <a:latin typeface="Cambria Math" panose="02040503050406030204" pitchFamily="18" charset="0"/>
+                                      <a:ea typeface="CMU Serif" panose="02000603000000000000" pitchFamily="2" charset="0"/>
+                                      <a:cs typeface="CMU Serif" panose="02000603000000000000" pitchFamily="2" charset="0"/>
+                                    </a:rPr>
+                                  </m:ctrlPr>
+                                </m:funcPr>
+                                <m:fName>
+                                  <m:r>
+                                    <m:rPr>
+                                      <m:sty m:val="p"/>
+                                    </m:rPr>
+                                    <a:rPr lang="es-AR" sz="1600" b="0" i="0" smtClean="0">
+                                      <a:solidFill>
+                                        <a:schemeClr val="tx1"/>
+                                      </a:solidFill>
+                                      <a:latin typeface="Cambria Math" panose="02040503050406030204" pitchFamily="18" charset="0"/>
+                                      <a:ea typeface="CMU Serif" panose="02000603000000000000" pitchFamily="2" charset="0"/>
+                                      <a:cs typeface="CMU Serif" panose="02000603000000000000" pitchFamily="2" charset="0"/>
+                                    </a:rPr>
+                                    <m:t>log</m:t>
+                                  </m:r>
+                                </m:fName>
+                                <m:e>
+                                  <m:r>
+                                    <a:rPr lang="es-AR" sz="1600" b="0" i="1" smtClean="0">
+                                      <a:solidFill>
+                                        <a:schemeClr val="tx1"/>
+                                      </a:solidFill>
+                                      <a:latin typeface="Cambria Math" panose="02040503050406030204" pitchFamily="18" charset="0"/>
+                                      <a:ea typeface="CMU Serif" panose="02000603000000000000" pitchFamily="2" charset="0"/>
+                                      <a:cs typeface="CMU Serif" panose="02000603000000000000" pitchFamily="2" charset="0"/>
+                                    </a:rPr>
+                                    <m:t>(1−</m:t>
+                                  </m:r>
+                                  <m:sSub>
+                                    <m:sSubPr>
+                                      <m:ctrlPr>
+                                        <a:rPr lang="es-AR" sz="1600" b="0" i="1" smtClean="0">
+                                          <a:solidFill>
+                                            <a:schemeClr val="tx1"/>
+                                          </a:solidFill>
+                                          <a:latin typeface="Cambria Math" panose="02040503050406030204" pitchFamily="18" charset="0"/>
+                                          <a:ea typeface="CMU Serif" panose="02000603000000000000" pitchFamily="2" charset="0"/>
+                                          <a:cs typeface="CMU Serif" panose="02000603000000000000" pitchFamily="2" charset="0"/>
+                                        </a:rPr>
+                                      </m:ctrlPr>
+                                    </m:sSubPr>
+                                    <m:e>
+                                      <m:r>
+                                        <a:rPr lang="es-AR" sz="1600" b="0" i="1" smtClean="0">
+                                          <a:solidFill>
+                                            <a:schemeClr val="tx1"/>
+                                          </a:solidFill>
+                                          <a:latin typeface="Cambria Math" panose="02040503050406030204" pitchFamily="18" charset="0"/>
+                                          <a:ea typeface="CMU Serif" panose="02000603000000000000" pitchFamily="2" charset="0"/>
+                                          <a:cs typeface="CMU Serif" panose="02000603000000000000" pitchFamily="2" charset="0"/>
+                                        </a:rPr>
+                                        <m:t>𝑝</m:t>
+                                      </m:r>
+                                    </m:e>
+                                    <m:sub>
+                                      <m:r>
+                                        <a:rPr lang="es-AR" sz="1600" b="0" i="1" smtClean="0">
+                                          <a:solidFill>
+                                            <a:schemeClr val="tx1"/>
+                                          </a:solidFill>
+                                          <a:latin typeface="Cambria Math" panose="02040503050406030204" pitchFamily="18" charset="0"/>
+                                          <a:ea typeface="CMU Serif" panose="02000603000000000000" pitchFamily="2" charset="0"/>
+                                          <a:cs typeface="CMU Serif" panose="02000603000000000000" pitchFamily="2" charset="0"/>
+                                        </a:rPr>
+                                        <m:t>𝑖𝑗</m:t>
+                                      </m:r>
+                                    </m:sub>
+                                  </m:sSub>
+                                  <m:r>
+                                    <a:rPr lang="es-AR" sz="1600" b="0" i="1" smtClean="0">
+                                      <a:solidFill>
+                                        <a:schemeClr val="tx1"/>
+                                      </a:solidFill>
+                                      <a:latin typeface="Cambria Math" panose="02040503050406030204" pitchFamily="18" charset="0"/>
+                                      <a:ea typeface="CMU Serif" panose="02000603000000000000" pitchFamily="2" charset="0"/>
+                                      <a:cs typeface="CMU Serif" panose="02000603000000000000" pitchFamily="2" charset="0"/>
+                                    </a:rPr>
+                                    <m:t>)</m:t>
+                                  </m:r>
+                                </m:e>
+                              </m:func>
+                            </m:e>
+                          </m:nary>
+                        </m:e>
+                      </m:nary>
+                    </m:oMath>
+                  </m:oMathPara>
+                </a14:m>
+                <a:endParaRPr lang="es-AR" sz="1600" dirty="0" smtClean="0">
+                  <a:latin typeface="CMU Serif" panose="02000603000000000000" pitchFamily="2" charset="0"/>
+                  <a:ea typeface="CMU Serif" panose="02000603000000000000" pitchFamily="2" charset="0"/>
+                  <a:cs typeface="CMU Serif" panose="02000603000000000000" pitchFamily="2" charset="0"/>
+                </a:endParaRPr>
+              </a:p>
+              <a:p>
+                <a:pPr marL="201168" lvl="1" indent="0" algn="just">
+                  <a:buNone/>
+                </a:pPr>
+                <a:endParaRPr lang="es-AR" sz="1600" dirty="0" smtClean="0">
+                  <a:latin typeface="CMU Serif" panose="02000603000000000000" pitchFamily="2" charset="0"/>
+                  <a:ea typeface="CMU Serif" panose="02000603000000000000" pitchFamily="2" charset="0"/>
+                  <a:cs typeface="CMU Serif" panose="02000603000000000000" pitchFamily="2" charset="0"/>
+                </a:endParaRPr>
+              </a:p>
+              <a:p>
+                <a:pPr lvl="1" algn="just">
+                  <a:buFont typeface="Arial" panose="020B0604020202020204" pitchFamily="34" charset="0"/>
+                  <a:buChar char="•"/>
+                </a:pPr>
+                <a:r>
+                  <a:rPr lang="es-AR" sz="1600" dirty="0" smtClean="0">
+                    <a:latin typeface="CMU Serif" panose="02000603000000000000" pitchFamily="2" charset="0"/>
+                    <a:ea typeface="CMU Serif" panose="02000603000000000000" pitchFamily="2" charset="0"/>
+                    <a:cs typeface="CMU Serif" panose="02000603000000000000" pitchFamily="2" charset="0"/>
+                  </a:rPr>
+                  <a:t>Siendo </a:t>
+                </a:r>
+                <a14:m>
+                  <m:oMath xmlns:m="http://schemas.openxmlformats.org/officeDocument/2006/math">
+                    <m:r>
+                      <a:rPr lang="es-AR" sz="1600" i="1">
+                        <a:latin typeface="Cambria Math" panose="02040503050406030204" pitchFamily="18" charset="0"/>
+                        <a:ea typeface="CMU Serif" panose="02000603000000000000" pitchFamily="2" charset="0"/>
+                        <a:cs typeface="CMU Serif" panose="02000603000000000000" pitchFamily="2" charset="0"/>
+                      </a:rPr>
+                      <m:t>𝐴</m:t>
+                    </m:r>
+                  </m:oMath>
+                </a14:m>
+                <a:r>
+                  <a:rPr lang="es-AR" sz="1600" dirty="0" smtClean="0">
+                    <a:latin typeface="CMU Serif" panose="02000603000000000000" pitchFamily="2" charset="0"/>
+                    <a:ea typeface="CMU Serif" panose="02000603000000000000" pitchFamily="2" charset="0"/>
+                    <a:cs typeface="CMU Serif" panose="02000603000000000000" pitchFamily="2" charset="0"/>
+                  </a:rPr>
+                  <a:t> la matriz de adyacencia y </a:t>
+                </a:r>
+                <a14:m>
+                  <m:oMath xmlns:m="http://schemas.openxmlformats.org/officeDocument/2006/math">
+                    <m:r>
+                      <a:rPr lang="es-AR" sz="1600" b="0" i="1" smtClean="0">
+                        <a:latin typeface="Cambria Math" panose="02040503050406030204" pitchFamily="18" charset="0"/>
+                        <a:ea typeface="CMU Serif" panose="02000603000000000000" pitchFamily="2" charset="0"/>
+                        <a:cs typeface="CMU Serif" panose="02000603000000000000" pitchFamily="2" charset="0"/>
+                      </a:rPr>
+                      <m:t>𝑝</m:t>
+                    </m:r>
+                  </m:oMath>
+                </a14:m>
+                <a:r>
+                  <a:rPr lang="es-AR" sz="1600" dirty="0" smtClean="0">
+                    <a:latin typeface="CMU Serif" panose="02000603000000000000" pitchFamily="2" charset="0"/>
+                    <a:ea typeface="CMU Serif" panose="02000603000000000000" pitchFamily="2" charset="0"/>
+                    <a:cs typeface="CMU Serif" panose="02000603000000000000" pitchFamily="2" charset="0"/>
+                  </a:rPr>
+                  <a:t> la matriz de probabilidades de encontrar un enlace. Queremos que </a:t>
+                </a:r>
+                <a14:m>
+                  <m:oMath xmlns:m="http://schemas.openxmlformats.org/officeDocument/2006/math">
+                    <m:r>
+                      <a:rPr lang="es-AR" sz="1600" i="1">
+                        <a:latin typeface="Cambria Math" panose="02040503050406030204" pitchFamily="18" charset="0"/>
+                        <a:ea typeface="CMU Serif" panose="02000603000000000000" pitchFamily="2" charset="0"/>
+                        <a:cs typeface="CMU Serif" panose="02000603000000000000" pitchFamily="2" charset="0"/>
+                      </a:rPr>
+                      <m:t>𝑝</m:t>
+                    </m:r>
+                    <m:r>
+                      <a:rPr lang="es-AR" sz="1600" i="1" smtClean="0">
+                        <a:latin typeface="Cambria Math" panose="02040503050406030204" pitchFamily="18" charset="0"/>
+                        <a:ea typeface="Cambria Math" panose="02040503050406030204" pitchFamily="18" charset="0"/>
+                        <a:cs typeface="CMU Serif" panose="02000603000000000000" pitchFamily="2" charset="0"/>
+                      </a:rPr>
+                      <m:t>→</m:t>
+                    </m:r>
+                    <m:r>
+                      <a:rPr lang="es-AR" sz="1600" b="0" i="1" smtClean="0">
+                        <a:latin typeface="Cambria Math" panose="02040503050406030204" pitchFamily="18" charset="0"/>
+                        <a:ea typeface="Cambria Math" panose="02040503050406030204" pitchFamily="18" charset="0"/>
+                        <a:cs typeface="CMU Serif" panose="02000603000000000000" pitchFamily="2" charset="0"/>
+                      </a:rPr>
+                      <m:t>𝐴</m:t>
+                    </m:r>
+                  </m:oMath>
+                </a14:m>
+                <a:endParaRPr lang="es-AR" sz="1600" dirty="0" smtClean="0">
+                  <a:latin typeface="CMU Serif" panose="02000603000000000000" pitchFamily="2" charset="0"/>
+                  <a:ea typeface="CMU Serif" panose="02000603000000000000" pitchFamily="2" charset="0"/>
+                  <a:cs typeface="CMU Serif" panose="02000603000000000000" pitchFamily="2" charset="0"/>
+                </a:endParaRPr>
+              </a:p>
+              <a:p>
+                <a:pPr lvl="1" algn="just">
+                  <a:buFont typeface="Arial" panose="020B0604020202020204" pitchFamily="34" charset="0"/>
+                  <a:buChar char="•"/>
+                </a:pPr>
+                <a:r>
+                  <a:rPr lang="es-AR" sz="1600" dirty="0" smtClean="0">
+                    <a:latin typeface="CMU Serif" panose="02000603000000000000" pitchFamily="2" charset="0"/>
+                    <a:ea typeface="CMU Serif" panose="02000603000000000000" pitchFamily="2" charset="0"/>
+                    <a:cs typeface="CMU Serif" panose="02000603000000000000" pitchFamily="2" charset="0"/>
+                  </a:rPr>
+                  <a:t>¿Y </a:t>
+                </a:r>
+                <a14:m>
+                  <m:oMath xmlns:m="http://schemas.openxmlformats.org/officeDocument/2006/math">
+                    <m:r>
+                      <a:rPr lang="es-AR" sz="1600" b="0" i="1" smtClean="0">
+                        <a:latin typeface="Cambria Math" panose="02040503050406030204" pitchFamily="18" charset="0"/>
+                        <a:ea typeface="CMU Serif" panose="02000603000000000000" pitchFamily="2" charset="0"/>
+                        <a:cs typeface="CMU Serif" panose="02000603000000000000" pitchFamily="2" charset="0"/>
+                      </a:rPr>
+                      <m:t>𝑝</m:t>
+                    </m:r>
+                  </m:oMath>
+                </a14:m>
+                <a:r>
+                  <a:rPr lang="es-AR" sz="1600" dirty="0" smtClean="0">
+                    <a:latin typeface="CMU Serif" panose="02000603000000000000" pitchFamily="2" charset="0"/>
+                    <a:ea typeface="CMU Serif" panose="02000603000000000000" pitchFamily="2" charset="0"/>
+                    <a:cs typeface="CMU Serif" panose="02000603000000000000" pitchFamily="2" charset="0"/>
+                  </a:rPr>
+                  <a:t> de donde sale?</a:t>
+                </a:r>
+                <a:endParaRPr lang="es-AR" sz="1600" i="1" dirty="0" smtClean="0">
+                  <a:latin typeface="CMU Serif" panose="02000603000000000000" pitchFamily="2" charset="0"/>
+                  <a:ea typeface="CMU Serif" panose="02000603000000000000" pitchFamily="2" charset="0"/>
+                  <a:cs typeface="CMU Serif" panose="02000603000000000000" pitchFamily="2" charset="0"/>
+                </a:endParaRPr>
+              </a:p>
+              <a:p>
+                <a:pPr lvl="1" algn="just">
+                  <a:buFont typeface="Arial" panose="020B0604020202020204" pitchFamily="34" charset="0"/>
+                  <a:buChar char="•"/>
+                </a:pPr>
+                <a:endParaRPr lang="es-AR" sz="1600" dirty="0" smtClean="0">
+                  <a:latin typeface="CMU Serif" panose="02000603000000000000" pitchFamily="2" charset="0"/>
+                  <a:ea typeface="CMU Serif" panose="02000603000000000000" pitchFamily="2" charset="0"/>
+                  <a:cs typeface="CMU Serif" panose="02000603000000000000" pitchFamily="2" charset="0"/>
+                </a:endParaRPr>
+              </a:p>
+            </p:txBody>
+          </p:sp>
+        </mc:Choice>
+        <mc:Fallback>
+          <p:sp>
+            <p:nvSpPr>
+              <p:cNvPr id="14" name="Content Placeholder 2"/>
+              <p:cNvSpPr txBox="1">
+                <a:spLocks noRot="1" noChangeAspect="1" noMove="1" noResize="1" noEditPoints="1" noAdjustHandles="1" noChangeArrowheads="1" noChangeShapeType="1" noTextEdit="1"/>
+              </p:cNvSpPr>
+              <p:nvPr/>
+            </p:nvSpPr>
+            <p:spPr>
+              <a:xfrm>
+                <a:off x="351719" y="3481846"/>
+                <a:ext cx="11616296" cy="2559361"/>
+              </a:xfrm>
+              <a:prstGeom prst="rect">
+                <a:avLst/>
+              </a:prstGeom>
+              <a:blipFill>
+                <a:blip r:embed="rId5"/>
+                <a:stretch>
+                  <a:fillRect l="-1155" t="-1905" b="-11905"/>
+                </a:stretch>
+              </a:blipFill>
+            </p:spPr>
+            <p:txBody>
+              <a:bodyPr/>
+              <a:lstStyle/>
+              <a:p>
+                <a:r>
+                  <a:rPr lang="es-AR">
+                    <a:noFill/>
+                  </a:rPr>
+                  <a:t> </a:t>
+                </a:r>
+              </a:p>
+            </p:txBody>
+          </p:sp>
+        </mc:Fallback>
+      </mc:AlternateContent>
     </p:spTree>
     <p:extLst>
       <p:ext uri="{BB962C8B-B14F-4D97-AF65-F5344CB8AC3E}">
@@ -8324,31 +9671,828 @@
           </a:lstStyle>
           <a:p>
             <a:r>
-              <a:rPr lang="es-AR" sz="3600" dirty="0" err="1" smtClean="0"/>
-              <a:t>Embeddings</a:t>
-            </a:r>
-            <a:r>
               <a:rPr lang="es-AR" sz="3600" dirty="0" smtClean="0"/>
-              <a:t> de </a:t>
-            </a:r>
-            <a:r>
-              <a:rPr lang="es-AR" sz="3600" dirty="0" err="1" smtClean="0"/>
-              <a:t>GNNs</a:t>
+              <a:t>Modelo Generativo</a:t>
             </a:r>
             <a:endParaRPr lang="es-AR" sz="3600" dirty="0"/>
           </a:p>
         </p:txBody>
       </p:sp>
+      <p:sp>
+        <p:nvSpPr>
+          <p:cNvPr id="8" name="Rectangle 7"/>
+          <p:cNvSpPr/>
+          <p:nvPr/>
+        </p:nvSpPr>
+        <p:spPr>
+          <a:xfrm>
+            <a:off x="832559" y="878083"/>
+            <a:ext cx="11359441" cy="369332"/>
+          </a:xfrm>
+          <a:prstGeom prst="rect">
+            <a:avLst/>
+          </a:prstGeom>
+        </p:spPr>
+        <p:txBody>
+          <a:bodyPr wrap="square">
+            <a:spAutoFit/>
+          </a:bodyPr>
+          <a:lstStyle/>
+          <a:p>
+            <a:pPr marL="285750" indent="-285750">
+              <a:buFont typeface="Arial" panose="020B0604020202020204" pitchFamily="34" charset="0"/>
+              <a:buChar char="•"/>
+            </a:pPr>
+            <a:endParaRPr lang="es-AR" dirty="0"/>
+          </a:p>
+        </p:txBody>
+      </p:sp>
+      <mc:AlternateContent xmlns:mc="http://schemas.openxmlformats.org/markup-compatibility/2006">
+        <mc:Choice xmlns:a14="http://schemas.microsoft.com/office/drawing/2010/main" Requires="a14">
+          <p:sp>
+            <p:nvSpPr>
+              <p:cNvPr id="10" name="Content Placeholder 2"/>
+              <p:cNvSpPr txBox="1">
+                <a:spLocks/>
+              </p:cNvSpPr>
+              <p:nvPr/>
+            </p:nvSpPr>
+            <p:spPr>
+              <a:xfrm>
+                <a:off x="435292" y="1144079"/>
+                <a:ext cx="11523827" cy="2544343"/>
+              </a:xfrm>
+              <a:prstGeom prst="rect">
+                <a:avLst/>
+              </a:prstGeom>
+            </p:spPr>
+            <p:txBody>
+              <a:bodyPr vert="horz" lIns="0" tIns="45720" rIns="0" bIns="45720" rtlCol="0">
+                <a:noAutofit/>
+              </a:bodyPr>
+              <a:lstStyle>
+                <a:lvl1pPr marL="91440" indent="-91440" algn="l" defTabSz="914400" rtl="0" eaLnBrk="1" latinLnBrk="0" hangingPunct="1">
+                  <a:lnSpc>
+                    <a:spcPct val="90000"/>
+                  </a:lnSpc>
+                  <a:spcBef>
+                    <a:spcPts val="1200"/>
+                  </a:spcBef>
+                  <a:spcAft>
+                    <a:spcPts val="200"/>
+                  </a:spcAft>
+                  <a:buClr>
+                    <a:schemeClr val="accent1"/>
+                  </a:buClr>
+                  <a:buSzPct val="100000"/>
+                  <a:buFont typeface="Calibri" panose="020F0502020204030204" pitchFamily="34" charset="0"/>
+                  <a:buChar char=" "/>
+                  <a:defRPr sz="2000" kern="1200">
+                    <a:solidFill>
+                      <a:schemeClr val="tx1">
+                        <a:lumMod val="75000"/>
+                        <a:lumOff val="25000"/>
+                      </a:schemeClr>
+                    </a:solidFill>
+                    <a:latin typeface="+mn-lt"/>
+                    <a:ea typeface="+mn-ea"/>
+                    <a:cs typeface="+mn-cs"/>
+                  </a:defRPr>
+                </a:lvl1pPr>
+                <a:lvl2pPr marL="384048" indent="-182880" algn="l" defTabSz="914400" rtl="0" eaLnBrk="1" latinLnBrk="0" hangingPunct="1">
+                  <a:lnSpc>
+                    <a:spcPct val="90000"/>
+                  </a:lnSpc>
+                  <a:spcBef>
+                    <a:spcPts val="200"/>
+                  </a:spcBef>
+                  <a:spcAft>
+                    <a:spcPts val="400"/>
+                  </a:spcAft>
+                  <a:buClr>
+                    <a:schemeClr val="accent1"/>
+                  </a:buClr>
+                  <a:buFont typeface="Calibri" pitchFamily="34" charset="0"/>
+                  <a:buChar char="◦"/>
+                  <a:defRPr sz="1800" kern="1200">
+                    <a:solidFill>
+                      <a:schemeClr val="tx1">
+                        <a:lumMod val="75000"/>
+                        <a:lumOff val="25000"/>
+                      </a:schemeClr>
+                    </a:solidFill>
+                    <a:latin typeface="+mn-lt"/>
+                    <a:ea typeface="+mn-ea"/>
+                    <a:cs typeface="+mn-cs"/>
+                  </a:defRPr>
+                </a:lvl2pPr>
+                <a:lvl3pPr marL="566928" indent="-182880" algn="l" defTabSz="914400" rtl="0" eaLnBrk="1" latinLnBrk="0" hangingPunct="1">
+                  <a:lnSpc>
+                    <a:spcPct val="90000"/>
+                  </a:lnSpc>
+                  <a:spcBef>
+                    <a:spcPts val="200"/>
+                  </a:spcBef>
+                  <a:spcAft>
+                    <a:spcPts val="400"/>
+                  </a:spcAft>
+                  <a:buClr>
+                    <a:schemeClr val="accent1"/>
+                  </a:buClr>
+                  <a:buFont typeface="Calibri" pitchFamily="34" charset="0"/>
+                  <a:buChar char="◦"/>
+                  <a:defRPr sz="1400" kern="1200">
+                    <a:solidFill>
+                      <a:schemeClr val="tx1">
+                        <a:lumMod val="75000"/>
+                        <a:lumOff val="25000"/>
+                      </a:schemeClr>
+                    </a:solidFill>
+                    <a:latin typeface="+mn-lt"/>
+                    <a:ea typeface="+mn-ea"/>
+                    <a:cs typeface="+mn-cs"/>
+                  </a:defRPr>
+                </a:lvl3pPr>
+                <a:lvl4pPr marL="749808" indent="-182880" algn="l" defTabSz="914400" rtl="0" eaLnBrk="1" latinLnBrk="0" hangingPunct="1">
+                  <a:lnSpc>
+                    <a:spcPct val="90000"/>
+                  </a:lnSpc>
+                  <a:spcBef>
+                    <a:spcPts val="200"/>
+                  </a:spcBef>
+                  <a:spcAft>
+                    <a:spcPts val="400"/>
+                  </a:spcAft>
+                  <a:buClr>
+                    <a:schemeClr val="accent1"/>
+                  </a:buClr>
+                  <a:buFont typeface="Calibri" pitchFamily="34" charset="0"/>
+                  <a:buChar char="◦"/>
+                  <a:defRPr sz="1400" kern="1200">
+                    <a:solidFill>
+                      <a:schemeClr val="tx1">
+                        <a:lumMod val="75000"/>
+                        <a:lumOff val="25000"/>
+                      </a:schemeClr>
+                    </a:solidFill>
+                    <a:latin typeface="+mn-lt"/>
+                    <a:ea typeface="+mn-ea"/>
+                    <a:cs typeface="+mn-cs"/>
+                  </a:defRPr>
+                </a:lvl4pPr>
+                <a:lvl5pPr marL="932688" indent="-182880" algn="l" defTabSz="914400" rtl="0" eaLnBrk="1" latinLnBrk="0" hangingPunct="1">
+                  <a:lnSpc>
+                    <a:spcPct val="90000"/>
+                  </a:lnSpc>
+                  <a:spcBef>
+                    <a:spcPts val="200"/>
+                  </a:spcBef>
+                  <a:spcAft>
+                    <a:spcPts val="400"/>
+                  </a:spcAft>
+                  <a:buClr>
+                    <a:schemeClr val="accent1"/>
+                  </a:buClr>
+                  <a:buFont typeface="Calibri" pitchFamily="34" charset="0"/>
+                  <a:buChar char="◦"/>
+                  <a:defRPr sz="1400" kern="1200">
+                    <a:solidFill>
+                      <a:schemeClr val="tx1">
+                        <a:lumMod val="75000"/>
+                        <a:lumOff val="25000"/>
+                      </a:schemeClr>
+                    </a:solidFill>
+                    <a:latin typeface="+mn-lt"/>
+                    <a:ea typeface="+mn-ea"/>
+                    <a:cs typeface="+mn-cs"/>
+                  </a:defRPr>
+                </a:lvl5pPr>
+                <a:lvl6pPr marL="1100000" indent="-228600" algn="l" defTabSz="914400" rtl="0" eaLnBrk="1" latinLnBrk="0" hangingPunct="1">
+                  <a:lnSpc>
+                    <a:spcPct val="90000"/>
+                  </a:lnSpc>
+                  <a:spcBef>
+                    <a:spcPts val="200"/>
+                  </a:spcBef>
+                  <a:spcAft>
+                    <a:spcPts val="400"/>
+                  </a:spcAft>
+                  <a:buClr>
+                    <a:schemeClr val="accent1"/>
+                  </a:buClr>
+                  <a:buFont typeface="Calibri" pitchFamily="34" charset="0"/>
+                  <a:buChar char="◦"/>
+                  <a:defRPr sz="1400" kern="1200">
+                    <a:solidFill>
+                      <a:schemeClr val="tx1">
+                        <a:lumMod val="75000"/>
+                        <a:lumOff val="25000"/>
+                      </a:schemeClr>
+                    </a:solidFill>
+                    <a:latin typeface="+mn-lt"/>
+                    <a:ea typeface="+mn-ea"/>
+                    <a:cs typeface="+mn-cs"/>
+                  </a:defRPr>
+                </a:lvl6pPr>
+                <a:lvl7pPr marL="1300000" indent="-228600" algn="l" defTabSz="914400" rtl="0" eaLnBrk="1" latinLnBrk="0" hangingPunct="1">
+                  <a:lnSpc>
+                    <a:spcPct val="90000"/>
+                  </a:lnSpc>
+                  <a:spcBef>
+                    <a:spcPts val="200"/>
+                  </a:spcBef>
+                  <a:spcAft>
+                    <a:spcPts val="400"/>
+                  </a:spcAft>
+                  <a:buClr>
+                    <a:schemeClr val="accent1"/>
+                  </a:buClr>
+                  <a:buFont typeface="Calibri" pitchFamily="34" charset="0"/>
+                  <a:buChar char="◦"/>
+                  <a:defRPr sz="1400" kern="1200">
+                    <a:solidFill>
+                      <a:schemeClr val="tx1">
+                        <a:lumMod val="75000"/>
+                        <a:lumOff val="25000"/>
+                      </a:schemeClr>
+                    </a:solidFill>
+                    <a:latin typeface="+mn-lt"/>
+                    <a:ea typeface="+mn-ea"/>
+                    <a:cs typeface="+mn-cs"/>
+                  </a:defRPr>
+                </a:lvl7pPr>
+                <a:lvl8pPr marL="1500000" indent="-228600" algn="l" defTabSz="914400" rtl="0" eaLnBrk="1" latinLnBrk="0" hangingPunct="1">
+                  <a:lnSpc>
+                    <a:spcPct val="90000"/>
+                  </a:lnSpc>
+                  <a:spcBef>
+                    <a:spcPts val="200"/>
+                  </a:spcBef>
+                  <a:spcAft>
+                    <a:spcPts val="400"/>
+                  </a:spcAft>
+                  <a:buClr>
+                    <a:schemeClr val="accent1"/>
+                  </a:buClr>
+                  <a:buFont typeface="Calibri" pitchFamily="34" charset="0"/>
+                  <a:buChar char="◦"/>
+                  <a:defRPr sz="1400" kern="1200">
+                    <a:solidFill>
+                      <a:schemeClr val="tx1">
+                        <a:lumMod val="75000"/>
+                        <a:lumOff val="25000"/>
+                      </a:schemeClr>
+                    </a:solidFill>
+                    <a:latin typeface="+mn-lt"/>
+                    <a:ea typeface="+mn-ea"/>
+                    <a:cs typeface="+mn-cs"/>
+                  </a:defRPr>
+                </a:lvl8pPr>
+                <a:lvl9pPr marL="1700000" indent="-228600" algn="l" defTabSz="914400" rtl="0" eaLnBrk="1" latinLnBrk="0" hangingPunct="1">
+                  <a:lnSpc>
+                    <a:spcPct val="90000"/>
+                  </a:lnSpc>
+                  <a:spcBef>
+                    <a:spcPts val="200"/>
+                  </a:spcBef>
+                  <a:spcAft>
+                    <a:spcPts val="400"/>
+                  </a:spcAft>
+                  <a:buClr>
+                    <a:schemeClr val="accent1"/>
+                  </a:buClr>
+                  <a:buFont typeface="Calibri" pitchFamily="34" charset="0"/>
+                  <a:buChar char="◦"/>
+                  <a:defRPr sz="1400" kern="1200">
+                    <a:solidFill>
+                      <a:schemeClr val="tx1">
+                        <a:lumMod val="75000"/>
+                        <a:lumOff val="25000"/>
+                      </a:schemeClr>
+                    </a:solidFill>
+                    <a:latin typeface="+mn-lt"/>
+                    <a:ea typeface="+mn-ea"/>
+                    <a:cs typeface="+mn-cs"/>
+                  </a:defRPr>
+                </a:lvl9pPr>
+              </a:lstStyle>
+              <a:p>
+                <a:pPr marL="285750" indent="-285750">
+                  <a:buFont typeface="Arial" panose="020B0604020202020204" pitchFamily="34" charset="0"/>
+                  <a:buChar char="•"/>
+                </a:pPr>
+                <a:r>
+                  <a:rPr lang="es-AR" dirty="0" smtClean="0"/>
+                  <a:t>Esta </a:t>
+                </a:r>
+                <a:r>
+                  <a:rPr lang="es-AR" dirty="0"/>
+                  <a:t>manera de inferir las probabilidades de enlaces </a:t>
+                </a:r>
+                <a:r>
+                  <a:rPr lang="es-AR" dirty="0" smtClean="0"/>
+                  <a:t>es la que se usa en “</a:t>
+                </a:r>
+                <a:r>
+                  <a:rPr lang="es-AR" dirty="0" err="1" smtClean="0"/>
+                  <a:t>variational</a:t>
+                </a:r>
+                <a:r>
+                  <a:rPr lang="es-AR" dirty="0" smtClean="0"/>
+                  <a:t> </a:t>
+                </a:r>
+                <a:r>
+                  <a:rPr lang="es-AR" dirty="0" err="1" smtClean="0"/>
+                  <a:t>autoencoders</a:t>
+                </a:r>
+                <a:r>
+                  <a:rPr lang="es-AR" dirty="0" smtClean="0"/>
+                  <a:t>”.</a:t>
+                </a:r>
+              </a:p>
+              <a:p>
+                <a:pPr marL="285750" indent="-285750">
+                  <a:buFont typeface="Arial" panose="020B0604020202020204" pitchFamily="34" charset="0"/>
+                  <a:buChar char="•"/>
+                </a:pPr>
+                <a:r>
+                  <a:rPr lang="es-AR" dirty="0" smtClean="0"/>
+                  <a:t>Por ejemplo, se usa en el trabajo hecho </a:t>
+                </a:r>
+                <a:r>
+                  <a:rPr lang="es-AR" dirty="0"/>
+                  <a:t>por </a:t>
+                </a:r>
+                <a:r>
+                  <a:rPr lang="es-AR" dirty="0" err="1"/>
+                  <a:t>Kipf</a:t>
+                </a:r>
+                <a:r>
+                  <a:rPr lang="es-AR" dirty="0"/>
+                  <a:t> y </a:t>
+                </a:r>
+                <a:r>
+                  <a:rPr lang="es-AR" dirty="0" err="1"/>
+                  <a:t>Welling</a:t>
+                </a:r>
+                <a:r>
+                  <a:rPr lang="es-AR" dirty="0"/>
+                  <a:t> </a:t>
+                </a:r>
+                <a:r>
+                  <a:rPr lang="es-AR" dirty="0" smtClean="0"/>
+                  <a:t>en </a:t>
+                </a:r>
+                <a:r>
+                  <a:rPr lang="es-AR" b="1" dirty="0" err="1" smtClean="0"/>
+                  <a:t>Variational</a:t>
+                </a:r>
+                <a:r>
+                  <a:rPr lang="es-AR" b="1" dirty="0" smtClean="0"/>
+                  <a:t> </a:t>
+                </a:r>
+                <a:r>
+                  <a:rPr lang="es-AR" b="1" dirty="0" err="1"/>
+                  <a:t>Graph</a:t>
+                </a:r>
+                <a:r>
+                  <a:rPr lang="es-AR" b="1" dirty="0"/>
+                  <a:t> </a:t>
+                </a:r>
+                <a:r>
+                  <a:rPr lang="es-AR" b="1" dirty="0" smtClean="0"/>
+                  <a:t>Auto-</a:t>
+                </a:r>
+                <a:r>
+                  <a:rPr lang="es-AR" b="1" dirty="0" err="1" smtClean="0"/>
+                  <a:t>Encoders</a:t>
+                </a:r>
+                <a:r>
+                  <a:rPr lang="es-AR" b="1" dirty="0" smtClean="0"/>
+                  <a:t> </a:t>
+                </a:r>
+                <a:r>
+                  <a:rPr lang="es-AR" dirty="0" smtClean="0"/>
+                  <a:t>(2016). En particular:</a:t>
+                </a:r>
+              </a:p>
+              <a:p>
+                <a:pPr marL="578358" lvl="1" indent="-285750">
+                  <a:buFont typeface="Arial" panose="020B0604020202020204" pitchFamily="34" charset="0"/>
+                  <a:buChar char="•"/>
+                </a:pPr>
+                <a14:m>
+                  <m:oMath xmlns:m="http://schemas.openxmlformats.org/officeDocument/2006/math">
+                    <m:r>
+                      <a:rPr lang="en-US" b="0" i="1" smtClean="0">
+                        <a:latin typeface="Cambria Math" panose="02040503050406030204" pitchFamily="18" charset="0"/>
+                      </a:rPr>
+                      <m:t>𝑝</m:t>
+                    </m:r>
+                    <m:d>
+                      <m:dPr>
+                        <m:ctrlPr>
+                          <a:rPr lang="en-US" b="0" i="1" smtClean="0">
+                            <a:latin typeface="Cambria Math" panose="02040503050406030204" pitchFamily="18" charset="0"/>
+                          </a:rPr>
+                        </m:ctrlPr>
+                      </m:dPr>
+                      <m:e>
+                        <m:sSub>
+                          <m:sSubPr>
+                            <m:ctrlPr>
+                              <a:rPr lang="en-US" b="0" i="1" smtClean="0">
+                                <a:latin typeface="Cambria Math" panose="02040503050406030204" pitchFamily="18" charset="0"/>
+                              </a:rPr>
+                            </m:ctrlPr>
+                          </m:sSubPr>
+                          <m:e>
+                            <m:r>
+                              <a:rPr lang="en-US" b="0" i="1" smtClean="0">
+                                <a:latin typeface="Cambria Math" panose="02040503050406030204" pitchFamily="18" charset="0"/>
+                              </a:rPr>
+                              <m:t>𝐴</m:t>
+                            </m:r>
+                          </m:e>
+                          <m:sub>
+                            <m:r>
+                              <a:rPr lang="en-US" b="0" i="1" smtClean="0">
+                                <a:latin typeface="Cambria Math" panose="02040503050406030204" pitchFamily="18" charset="0"/>
+                              </a:rPr>
+                              <m:t>𝑖𝑗</m:t>
+                            </m:r>
+                          </m:sub>
+                        </m:sSub>
+                        <m:r>
+                          <a:rPr lang="en-US" i="1">
+                            <a:latin typeface="Cambria Math" panose="02040503050406030204" pitchFamily="18" charset="0"/>
+                          </a:rPr>
+                          <m:t>=1|</m:t>
+                        </m:r>
+                        <m:sSub>
+                          <m:sSubPr>
+                            <m:ctrlPr>
+                              <a:rPr lang="en-US" i="1" smtClean="0">
+                                <a:latin typeface="Cambria Math" panose="02040503050406030204" pitchFamily="18" charset="0"/>
+                              </a:rPr>
+                            </m:ctrlPr>
+                          </m:sSubPr>
+                          <m:e>
+                            <m:r>
+                              <a:rPr lang="en-US" b="1" i="1" smtClean="0">
+                                <a:latin typeface="Cambria Math" panose="02040503050406030204" pitchFamily="18" charset="0"/>
+                              </a:rPr>
+                              <m:t>𝒛</m:t>
+                            </m:r>
+                          </m:e>
+                          <m:sub>
+                            <m:r>
+                              <a:rPr lang="en-US" b="0" i="1" smtClean="0">
+                                <a:latin typeface="Cambria Math" panose="02040503050406030204" pitchFamily="18" charset="0"/>
+                              </a:rPr>
+                              <m:t>𝑖</m:t>
+                            </m:r>
+                          </m:sub>
+                        </m:sSub>
+                        <m:r>
+                          <a:rPr lang="en-US" b="0" i="1" smtClean="0">
+                            <a:latin typeface="Cambria Math" panose="02040503050406030204" pitchFamily="18" charset="0"/>
+                          </a:rPr>
+                          <m:t>,</m:t>
+                        </m:r>
+                        <m:sSub>
+                          <m:sSubPr>
+                            <m:ctrlPr>
+                              <a:rPr lang="en-US" i="1">
+                                <a:latin typeface="Cambria Math" panose="02040503050406030204" pitchFamily="18" charset="0"/>
+                              </a:rPr>
+                            </m:ctrlPr>
+                          </m:sSubPr>
+                          <m:e>
+                            <m:r>
+                              <a:rPr lang="en-US" b="1" i="1">
+                                <a:latin typeface="Cambria Math" panose="02040503050406030204" pitchFamily="18" charset="0"/>
+                              </a:rPr>
+                              <m:t>𝒛</m:t>
+                            </m:r>
+                          </m:e>
+                          <m:sub>
+                            <m:r>
+                              <a:rPr lang="en-US" b="0" i="1" smtClean="0">
+                                <a:latin typeface="Cambria Math" panose="02040503050406030204" pitchFamily="18" charset="0"/>
+                              </a:rPr>
+                              <m:t>𝑗</m:t>
+                            </m:r>
+                          </m:sub>
+                        </m:sSub>
+                      </m:e>
+                    </m:d>
+                    <m:r>
+                      <a:rPr lang="en-US" b="0" i="1" smtClean="0">
+                        <a:latin typeface="Cambria Math" panose="02040503050406030204" pitchFamily="18" charset="0"/>
+                      </a:rPr>
+                      <m:t>=</m:t>
+                    </m:r>
+                    <m:r>
+                      <a:rPr lang="en-US" b="0" i="1" smtClean="0">
+                        <a:latin typeface="Cambria Math" panose="02040503050406030204" pitchFamily="18" charset="0"/>
+                        <a:ea typeface="Cambria Math" panose="02040503050406030204" pitchFamily="18" charset="0"/>
+                      </a:rPr>
+                      <m:t>𝜎</m:t>
+                    </m:r>
+                    <m:d>
+                      <m:dPr>
+                        <m:ctrlPr>
+                          <a:rPr lang="en-US" b="0" i="1" smtClean="0">
+                            <a:latin typeface="Cambria Math" panose="02040503050406030204" pitchFamily="18" charset="0"/>
+                            <a:ea typeface="Cambria Math" panose="02040503050406030204" pitchFamily="18" charset="0"/>
+                          </a:rPr>
+                        </m:ctrlPr>
+                      </m:dPr>
+                      <m:e>
+                        <m:sSup>
+                          <m:sSupPr>
+                            <m:ctrlPr>
+                              <a:rPr lang="en-US" b="0" i="1" smtClean="0">
+                                <a:latin typeface="Cambria Math" panose="02040503050406030204" pitchFamily="18" charset="0"/>
+                                <a:ea typeface="Cambria Math" panose="02040503050406030204" pitchFamily="18" charset="0"/>
+                              </a:rPr>
+                            </m:ctrlPr>
+                          </m:sSupPr>
+                          <m:e>
+                            <m:sSub>
+                              <m:sSubPr>
+                                <m:ctrlPr>
+                                  <a:rPr lang="en-US" i="1">
+                                    <a:latin typeface="Cambria Math" panose="02040503050406030204" pitchFamily="18" charset="0"/>
+                                  </a:rPr>
+                                </m:ctrlPr>
+                              </m:sSubPr>
+                              <m:e>
+                                <m:r>
+                                  <a:rPr lang="en-US" b="1" i="1">
+                                    <a:latin typeface="Cambria Math" panose="02040503050406030204" pitchFamily="18" charset="0"/>
+                                  </a:rPr>
+                                  <m:t>𝒛</m:t>
+                                </m:r>
+                              </m:e>
+                              <m:sub>
+                                <m:r>
+                                  <a:rPr lang="en-US" i="1">
+                                    <a:latin typeface="Cambria Math" panose="02040503050406030204" pitchFamily="18" charset="0"/>
+                                  </a:rPr>
+                                  <m:t>𝑖</m:t>
+                                </m:r>
+                              </m:sub>
+                            </m:sSub>
+                          </m:e>
+                          <m:sup>
+                            <m:r>
+                              <a:rPr lang="en-US" i="1">
+                                <a:latin typeface="Cambria Math" panose="02040503050406030204" pitchFamily="18" charset="0"/>
+                                <a:ea typeface="Cambria Math" panose="02040503050406030204" pitchFamily="18" charset="0"/>
+                              </a:rPr>
+                              <m:t>⊤</m:t>
+                            </m:r>
+                          </m:sup>
+                        </m:sSup>
+                        <m:sSub>
+                          <m:sSubPr>
+                            <m:ctrlPr>
+                              <a:rPr lang="en-US" i="1">
+                                <a:latin typeface="Cambria Math" panose="02040503050406030204" pitchFamily="18" charset="0"/>
+                              </a:rPr>
+                            </m:ctrlPr>
+                          </m:sSubPr>
+                          <m:e>
+                            <m:r>
+                              <a:rPr lang="en-US" b="1" i="1">
+                                <a:latin typeface="Cambria Math" panose="02040503050406030204" pitchFamily="18" charset="0"/>
+                              </a:rPr>
+                              <m:t>𝒛</m:t>
+                            </m:r>
+                          </m:e>
+                          <m:sub>
+                            <m:r>
+                              <a:rPr lang="en-US" b="0" i="1" smtClean="0">
+                                <a:latin typeface="Cambria Math" panose="02040503050406030204" pitchFamily="18" charset="0"/>
+                              </a:rPr>
+                              <m:t>𝑗</m:t>
+                            </m:r>
+                          </m:sub>
+                        </m:sSub>
+                      </m:e>
+                    </m:d>
+                  </m:oMath>
+                </a14:m>
+                <a:r>
+                  <a:rPr lang="es-AR" dirty="0" smtClean="0"/>
+                  <a:t> </a:t>
+                </a:r>
+              </a:p>
+              <a:p>
+                <a:pPr marL="578358" lvl="1" indent="-285750">
+                  <a:buFont typeface="Arial" panose="020B0604020202020204" pitchFamily="34" charset="0"/>
+                  <a:buChar char="•"/>
+                </a:pPr>
+                <a:r>
+                  <a:rPr lang="es-AR" dirty="0" smtClean="0"/>
+                  <a:t>Con </a:t>
+                </a:r>
+                <a14:m>
+                  <m:oMath xmlns:m="http://schemas.openxmlformats.org/officeDocument/2006/math">
+                    <m:r>
+                      <a:rPr lang="en-US" i="1">
+                        <a:latin typeface="Cambria Math" panose="02040503050406030204" pitchFamily="18" charset="0"/>
+                        <a:ea typeface="Cambria Math" panose="02040503050406030204" pitchFamily="18" charset="0"/>
+                      </a:rPr>
+                      <m:t>𝜎</m:t>
+                    </m:r>
+                    <m:d>
+                      <m:dPr>
+                        <m:ctrlPr>
+                          <a:rPr lang="en-US" i="1" smtClean="0">
+                            <a:latin typeface="Cambria Math" panose="02040503050406030204" pitchFamily="18" charset="0"/>
+                            <a:ea typeface="Cambria Math" panose="02040503050406030204" pitchFamily="18" charset="0"/>
+                          </a:rPr>
+                        </m:ctrlPr>
+                      </m:dPr>
+                      <m:e>
+                        <m:r>
+                          <a:rPr lang="es-AR" i="1">
+                            <a:latin typeface="Cambria Math" panose="02040503050406030204" pitchFamily="18" charset="0"/>
+                            <a:ea typeface="Cambria Math" panose="02040503050406030204" pitchFamily="18" charset="0"/>
+                          </a:rPr>
+                          <m:t>∙</m:t>
+                        </m:r>
+                      </m:e>
+                    </m:d>
+                  </m:oMath>
+                </a14:m>
+                <a:r>
+                  <a:rPr lang="es-AR" dirty="0" smtClean="0"/>
+                  <a:t> la </a:t>
+                </a:r>
+                <a:r>
+                  <a:rPr lang="es-AR" dirty="0" err="1" smtClean="0"/>
+                  <a:t>sigmoide</a:t>
+                </a:r>
+                <a:r>
+                  <a:rPr lang="es-AR" dirty="0" smtClean="0"/>
+                  <a:t> logística estándar.</a:t>
+                </a:r>
+                <a:endParaRPr lang="es-AR" dirty="0"/>
+              </a:p>
+              <a:p>
+                <a:pPr marL="578358" lvl="1" indent="-285750">
+                  <a:buFont typeface="Arial" panose="020B0604020202020204" pitchFamily="34" charset="0"/>
+                  <a:buChar char="•"/>
+                </a:pPr>
+                <a:r>
+                  <a:rPr lang="es-AR" dirty="0" smtClean="0"/>
+                  <a:t>Cuanto más parecidos son </a:t>
+                </a:r>
+                <a14:m>
+                  <m:oMath xmlns:m="http://schemas.openxmlformats.org/officeDocument/2006/math">
+                    <m:sSub>
+                      <m:sSubPr>
+                        <m:ctrlPr>
+                          <a:rPr lang="en-US" i="1">
+                            <a:latin typeface="Cambria Math" panose="02040503050406030204" pitchFamily="18" charset="0"/>
+                          </a:rPr>
+                        </m:ctrlPr>
+                      </m:sSubPr>
+                      <m:e>
+                        <m:r>
+                          <a:rPr lang="en-US" b="1" i="1">
+                            <a:latin typeface="Cambria Math" panose="02040503050406030204" pitchFamily="18" charset="0"/>
+                          </a:rPr>
+                          <m:t>𝒛</m:t>
+                        </m:r>
+                      </m:e>
+                      <m:sub>
+                        <m:r>
+                          <a:rPr lang="en-US" i="1">
+                            <a:latin typeface="Cambria Math" panose="02040503050406030204" pitchFamily="18" charset="0"/>
+                          </a:rPr>
+                          <m:t>𝑖</m:t>
+                        </m:r>
+                      </m:sub>
+                    </m:sSub>
+                  </m:oMath>
+                </a14:m>
+                <a:r>
+                  <a:rPr lang="es-AR" dirty="0" smtClean="0"/>
+                  <a:t> y </a:t>
+                </a:r>
+                <a14:m>
+                  <m:oMath xmlns:m="http://schemas.openxmlformats.org/officeDocument/2006/math">
+                    <m:sSub>
+                      <m:sSubPr>
+                        <m:ctrlPr>
+                          <a:rPr lang="en-US" i="1">
+                            <a:latin typeface="Cambria Math" panose="02040503050406030204" pitchFamily="18" charset="0"/>
+                          </a:rPr>
+                        </m:ctrlPr>
+                      </m:sSubPr>
+                      <m:e>
+                        <m:r>
+                          <a:rPr lang="en-US" b="1" i="1">
+                            <a:latin typeface="Cambria Math" panose="02040503050406030204" pitchFamily="18" charset="0"/>
+                          </a:rPr>
+                          <m:t>𝒛</m:t>
+                        </m:r>
+                      </m:e>
+                      <m:sub>
+                        <m:r>
+                          <a:rPr lang="es-AR" b="0" i="1" smtClean="0">
+                            <a:latin typeface="Cambria Math" panose="02040503050406030204" pitchFamily="18" charset="0"/>
+                          </a:rPr>
+                          <m:t>𝑗</m:t>
+                        </m:r>
+                      </m:sub>
+                    </m:sSub>
+                  </m:oMath>
+                </a14:m>
+                <a:r>
+                  <a:rPr lang="es-AR" dirty="0" smtClean="0"/>
+                  <a:t>, más grande </a:t>
+                </a:r>
+                <a14:m>
+                  <m:oMath xmlns:m="http://schemas.openxmlformats.org/officeDocument/2006/math">
+                    <m:r>
+                      <a:rPr lang="en-US" i="1">
+                        <a:latin typeface="Cambria Math" panose="02040503050406030204" pitchFamily="18" charset="0"/>
+                      </a:rPr>
+                      <m:t>𝑝</m:t>
+                    </m:r>
+                  </m:oMath>
+                </a14:m>
+                <a:r>
+                  <a:rPr lang="es-AR" dirty="0" smtClean="0"/>
+                  <a:t>.</a:t>
+                </a:r>
+                <a:endParaRPr lang="es-AR" dirty="0"/>
+              </a:p>
+              <a:p>
+                <a:pPr marL="285750" indent="-285750">
+                  <a:buFont typeface="Arial" panose="020B0604020202020204" pitchFamily="34" charset="0"/>
+                  <a:buChar char="•"/>
+                </a:pPr>
+                <a:endParaRPr lang="es-AR" dirty="0"/>
+              </a:p>
+            </p:txBody>
+          </p:sp>
+        </mc:Choice>
+        <mc:Fallback>
+          <p:sp>
+            <p:nvSpPr>
+              <p:cNvPr id="10" name="Content Placeholder 2"/>
+              <p:cNvSpPr txBox="1">
+                <a:spLocks noRot="1" noChangeAspect="1" noMove="1" noResize="1" noEditPoints="1" noAdjustHandles="1" noChangeArrowheads="1" noChangeShapeType="1" noTextEdit="1"/>
+              </p:cNvSpPr>
+              <p:nvPr/>
+            </p:nvSpPr>
+            <p:spPr>
+              <a:xfrm>
+                <a:off x="435292" y="1144079"/>
+                <a:ext cx="11523827" cy="2544343"/>
+              </a:xfrm>
+              <a:prstGeom prst="rect">
+                <a:avLst/>
+              </a:prstGeom>
+              <a:blipFill>
+                <a:blip r:embed="rId2"/>
+                <a:stretch>
+                  <a:fillRect l="-1269" t="-2638"/>
+                </a:stretch>
+              </a:blipFill>
+            </p:spPr>
+            <p:txBody>
+              <a:bodyPr/>
+              <a:lstStyle/>
+              <a:p>
+                <a:r>
+                  <a:rPr lang="es-AR">
+                    <a:noFill/>
+                  </a:rPr>
+                  <a:t> </a:t>
+                </a:r>
+              </a:p>
+            </p:txBody>
+          </p:sp>
+        </mc:Fallback>
+      </mc:AlternateContent>
       <p:pic>
         <p:nvPicPr>
-          <p:cNvPr id="4" name="Picture 3"/>
+          <p:cNvPr id="9" name="Picture 8"/>
           <p:cNvPicPr>
             <a:picLocks noChangeAspect="1"/>
           </p:cNvPicPr>
           <p:nvPr/>
         </p:nvPicPr>
         <p:blipFill>
-          <a:blip r:embed="rId2">
+          <a:blip r:embed="rId3">
             <a:extLst>
               <a:ext uri="{28A0092B-C50C-407E-A947-70E740481C1C}">
                 <a14:useLocalDpi xmlns:a14="http://schemas.microsoft.com/office/drawing/2010/main" val="0"/>
@@ -8361,18 +10505,51 @@
         </p:blipFill>
         <p:spPr>
           <a:xfrm>
-            <a:off x="977560" y="1023573"/>
-            <a:ext cx="10058400" cy="5118212"/>
+            <a:off x="6832300" y="2082136"/>
+            <a:ext cx="4818858" cy="3212572"/>
           </a:xfrm>
           <a:prstGeom prst="rect">
             <a:avLst/>
           </a:prstGeom>
         </p:spPr>
       </p:pic>
+      <p:cxnSp>
+        <p:nvCxnSpPr>
+          <p:cNvPr id="12" name="Straight Arrow Connector 11"/>
+          <p:cNvCxnSpPr/>
+          <p:nvPr/>
+        </p:nvCxnSpPr>
+        <p:spPr>
+          <a:xfrm>
+            <a:off x="5003515" y="2722652"/>
+            <a:ext cx="2630184" cy="82193"/>
+          </a:xfrm>
+          <a:prstGeom prst="straightConnector1">
+            <a:avLst/>
+          </a:prstGeom>
+          <a:ln w="28575">
+            <a:tailEnd type="triangle"/>
+          </a:ln>
+        </p:spPr>
+        <p:style>
+          <a:lnRef idx="1">
+            <a:schemeClr val="accent1"/>
+          </a:lnRef>
+          <a:fillRef idx="0">
+            <a:schemeClr val="accent1"/>
+          </a:fillRef>
+          <a:effectRef idx="0">
+            <a:schemeClr val="accent1"/>
+          </a:effectRef>
+          <a:fontRef idx="minor">
+            <a:schemeClr val="tx1"/>
+          </a:fontRef>
+        </p:style>
+      </p:cxnSp>
     </p:spTree>
     <p:extLst>
       <p:ext uri="{BB962C8B-B14F-4D97-AF65-F5344CB8AC3E}">
-        <p14:creationId xmlns:p14="http://schemas.microsoft.com/office/powerpoint/2010/main" val="3969022307"/>
+        <p14:creationId xmlns:p14="http://schemas.microsoft.com/office/powerpoint/2010/main" val="570824869"/>
       </p:ext>
     </p:extLst>
   </p:cSld>
@@ -8472,6 +10649,139 @@
           </a:p>
         </p:txBody>
       </p:sp>
+      <p:pic>
+        <p:nvPicPr>
+          <p:cNvPr id="4" name="Picture 3"/>
+          <p:cNvPicPr>
+            <a:picLocks noChangeAspect="1"/>
+          </p:cNvPicPr>
+          <p:nvPr/>
+        </p:nvPicPr>
+        <p:blipFill>
+          <a:blip r:embed="rId2">
+            <a:extLst>
+              <a:ext uri="{28A0092B-C50C-407E-A947-70E740481C1C}">
+                <a14:useLocalDpi xmlns:a14="http://schemas.microsoft.com/office/drawing/2010/main" val="0"/>
+              </a:ext>
+            </a:extLst>
+          </a:blip>
+          <a:stretch>
+            <a:fillRect/>
+          </a:stretch>
+        </p:blipFill>
+        <p:spPr>
+          <a:xfrm>
+            <a:off x="977560" y="1023573"/>
+            <a:ext cx="10058400" cy="5118212"/>
+          </a:xfrm>
+          <a:prstGeom prst="rect">
+            <a:avLst/>
+          </a:prstGeom>
+        </p:spPr>
+      </p:pic>
+    </p:spTree>
+    <p:extLst>
+      <p:ext uri="{BB962C8B-B14F-4D97-AF65-F5344CB8AC3E}">
+        <p14:creationId xmlns:p14="http://schemas.microsoft.com/office/powerpoint/2010/main" val="3969022307"/>
+      </p:ext>
+    </p:extLst>
+  </p:cSld>
+  <p:clrMapOvr>
+    <a:masterClrMapping/>
+  </p:clrMapOvr>
+  <mc:AlternateContent xmlns:mc="http://schemas.openxmlformats.org/markup-compatibility/2006" xmlns:p14="http://schemas.microsoft.com/office/powerpoint/2010/main">
+    <mc:Choice Requires="p14">
+      <p:transition spd="slow" p14:dur="2000"/>
+    </mc:Choice>
+    <mc:Fallback xmlns="">
+      <p:transition spd="slow"/>
+    </mc:Fallback>
+  </mc:AlternateContent>
+  <p:timing>
+    <p:tnLst>
+      <p:par>
+        <p:cTn id="1" dur="indefinite" restart="never" nodeType="tmRoot"/>
+      </p:par>
+    </p:tnLst>
+  </p:timing>
+</p:sld>
+</file>
+
+<file path=ppt/slides/slide18.xml><?xml version="1.0" encoding="utf-8"?>
+<p:sld xmlns:a="http://schemas.openxmlformats.org/drawingml/2006/main" xmlns:r="http://schemas.openxmlformats.org/officeDocument/2006/relationships" xmlns:p="http://schemas.openxmlformats.org/presentationml/2006/main">
+  <p:cSld>
+    <p:spTree>
+      <p:nvGrpSpPr>
+        <p:cNvPr id="1" name=""/>
+        <p:cNvGrpSpPr/>
+        <p:nvPr/>
+      </p:nvGrpSpPr>
+      <p:grpSpPr>
+        <a:xfrm>
+          <a:off x="0" y="0"/>
+          <a:ext cx="0" cy="0"/>
+          <a:chOff x="0" y="0"/>
+          <a:chExt cx="0" cy="0"/>
+        </a:xfrm>
+      </p:grpSpPr>
+      <p:sp>
+        <p:nvSpPr>
+          <p:cNvPr id="25" name="Title 1"/>
+          <p:cNvSpPr txBox="1">
+            <a:spLocks/>
+          </p:cNvSpPr>
+          <p:nvPr/>
+        </p:nvSpPr>
+        <p:spPr>
+          <a:xfrm>
+            <a:off x="435292" y="429194"/>
+            <a:ext cx="10334308" cy="594379"/>
+          </a:xfrm>
+          <a:prstGeom prst="rect">
+            <a:avLst/>
+          </a:prstGeom>
+        </p:spPr>
+        <p:txBody>
+          <a:bodyPr/>
+          <a:lstStyle>
+            <a:lvl1pPr algn="l" defTabSz="914400" rtl="0" eaLnBrk="1" latinLnBrk="0" hangingPunct="1">
+              <a:lnSpc>
+                <a:spcPct val="85000"/>
+              </a:lnSpc>
+              <a:spcBef>
+                <a:spcPct val="0"/>
+              </a:spcBef>
+              <a:buNone/>
+              <a:defRPr sz="4800" kern="1200" spc="-50" baseline="0">
+                <a:solidFill>
+                  <a:schemeClr val="tx1">
+                    <a:lumMod val="75000"/>
+                    <a:lumOff val="25000"/>
+                  </a:schemeClr>
+                </a:solidFill>
+                <a:latin typeface="+mj-lt"/>
+                <a:ea typeface="+mj-ea"/>
+                <a:cs typeface="+mj-cs"/>
+              </a:defRPr>
+            </a:lvl1pPr>
+          </a:lstStyle>
+          <a:p>
+            <a:r>
+              <a:rPr lang="es-AR" sz="3600" dirty="0" err="1" smtClean="0"/>
+              <a:t>Embeddings</a:t>
+            </a:r>
+            <a:r>
+              <a:rPr lang="es-AR" sz="3600" dirty="0" smtClean="0"/>
+              <a:t> de </a:t>
+            </a:r>
+            <a:r>
+              <a:rPr lang="es-AR" sz="3600" dirty="0" err="1" smtClean="0"/>
+              <a:t>GNNs</a:t>
+            </a:r>
+            <a:endParaRPr lang="es-AR" sz="3600" dirty="0"/>
+          </a:p>
+        </p:txBody>
+      </p:sp>
       <p:sp>
         <p:nvSpPr>
           <p:cNvPr id="10" name="Content Placeholder 2"/>
@@ -8483,7 +10793,7 @@
         <p:spPr>
           <a:xfrm>
             <a:off x="435292" y="1215002"/>
-            <a:ext cx="11335657" cy="1713133"/>
+            <a:ext cx="11335657" cy="4384414"/>
           </a:xfrm>
           <a:prstGeom prst="rect">
             <a:avLst/>
@@ -8750,17 +11060,93 @@
             </a:r>
             <a:r>
               <a:rPr lang="es-AR" sz="2400" dirty="0"/>
-              <a:t>que las redes PS están mejor descriptas con el espacio hiperbólico, se quiere ver si podemos seguir trabajando en este espacio. Hay trabajos hechos sobre mapear al espacio hiperbólico (</a:t>
-            </a:r>
-            <a:r>
-              <a:rPr lang="es-AR" sz="2400" dirty="0" err="1"/>
-              <a:t>ej</a:t>
-            </a:r>
-            <a:r>
-              <a:rPr lang="es-AR" sz="2400" dirty="0"/>
-              <a:t>, Chamberlain 2017). </a:t>
-            </a:r>
-            <a:endParaRPr lang="es-AR" sz="2400" b="1" i="1" dirty="0"/>
+              <a:t>que las redes PS están mejor descriptas con el espacio hiperbólico, se quiere ver si podemos seguir trabajando en este espacio</a:t>
+            </a:r>
+            <a:r>
+              <a:rPr lang="es-AR" sz="2400" dirty="0" smtClean="0"/>
+              <a:t>. </a:t>
+            </a:r>
+            <a:endParaRPr lang="es-AR" sz="2400" dirty="0" smtClean="0"/>
+          </a:p>
+          <a:p>
+            <a:pPr lvl="1" algn="just">
+              <a:buFont typeface="Arial" panose="020B0604020202020204" pitchFamily="34" charset="0"/>
+              <a:buChar char="•"/>
+            </a:pPr>
+            <a:r>
+              <a:rPr lang="en-US" sz="2000" dirty="0" smtClean="0"/>
+              <a:t>“As</a:t>
+            </a:r>
+            <a:r>
+              <a:rPr lang="en-US" sz="2000" dirty="0"/>
+              <a:t>, unlike Euclidean space, in hyperbolic space even infinite </a:t>
+            </a:r>
+            <a:r>
+              <a:rPr lang="en-US" sz="2000" dirty="0" smtClean="0"/>
+              <a:t>trees have </a:t>
+            </a:r>
+            <a:r>
+              <a:rPr lang="en-US" sz="2000" dirty="0"/>
+              <a:t>nearly isometric embeddings, it has been successfully used </a:t>
+            </a:r>
+            <a:r>
+              <a:rPr lang="en-US" sz="2000" dirty="0" smtClean="0"/>
+              <a:t>to model </a:t>
+            </a:r>
+            <a:r>
+              <a:rPr lang="en-US" sz="2000" dirty="0"/>
+              <a:t>complex networks with hierarchical structure, </a:t>
+            </a:r>
+            <a:r>
+              <a:rPr lang="en-US" sz="2000" dirty="0" smtClean="0"/>
+              <a:t>power-law degree </a:t>
+            </a:r>
+            <a:r>
+              <a:rPr lang="en-US" sz="2000" dirty="0"/>
+              <a:t>distributions and high </a:t>
+            </a:r>
+            <a:r>
+              <a:rPr lang="en-US" sz="2000" dirty="0" smtClean="0"/>
+              <a:t>clustering.” (</a:t>
+            </a:r>
+            <a:r>
+              <a:rPr lang="es-AR" dirty="0"/>
+              <a:t>Chamberlain </a:t>
+            </a:r>
+            <a:r>
+              <a:rPr lang="es-AR" dirty="0" smtClean="0"/>
+              <a:t>2017</a:t>
+            </a:r>
+            <a:r>
+              <a:rPr lang="es-AR" dirty="0" smtClean="0"/>
+              <a:t>)</a:t>
+            </a:r>
+          </a:p>
+          <a:p>
+            <a:pPr lvl="1" algn="just">
+              <a:buFont typeface="Arial" panose="020B0604020202020204" pitchFamily="34" charset="0"/>
+              <a:buChar char="•"/>
+            </a:pPr>
+            <a:r>
+              <a:rPr lang="es-AR" sz="2000" dirty="0" smtClean="0"/>
+              <a:t>En este último trabajo, Chamberlain et al. usan el espacio hiperbólico como espacio latente de un algoritmo basado en redes neuronales (no exactamente </a:t>
+            </a:r>
+            <a:r>
+              <a:rPr lang="es-AR" sz="2000" dirty="0" err="1" smtClean="0"/>
+              <a:t>GNN’s</a:t>
+            </a:r>
+            <a:r>
+              <a:rPr lang="es-AR" sz="2000" dirty="0" smtClean="0"/>
+              <a:t>…), con buenos resultados.</a:t>
+            </a:r>
+            <a:endParaRPr lang="en-US" sz="2200" dirty="0"/>
+          </a:p>
+          <a:p>
+            <a:pPr lvl="1" algn="just">
+              <a:buFont typeface="Arial" panose="020B0604020202020204" pitchFamily="34" charset="0"/>
+              <a:buChar char="•"/>
+            </a:pPr>
+            <a:endParaRPr lang="es-AR" sz="2200" b="1" i="1" dirty="0"/>
           </a:p>
           <a:p>
             <a:pPr lvl="1" algn="just">
@@ -18322,8 +20708,8 @@
           </a:prstGeom>
         </p:spPr>
       </p:pic>
-      <mc:AlternateContent xmlns:mc="http://schemas.openxmlformats.org/markup-compatibility/2006">
-        <mc:Choice xmlns:a14="http://schemas.microsoft.com/office/drawing/2010/main" Requires="a14">
+      <mc:AlternateContent xmlns:mc="http://schemas.openxmlformats.org/markup-compatibility/2006" xmlns:a14="http://schemas.microsoft.com/office/drawing/2010/main">
+        <mc:Choice Requires="a14">
           <p:sp>
             <p:nvSpPr>
               <p:cNvPr id="2" name="TextBox 1"/>
@@ -18346,6 +20732,7 @@
               </a:bodyPr>
               <a:lstStyle/>
               <a:p>
+                <a:pPr/>
                 <a14:m>
                   <m:oMathPara xmlns:m="http://schemas.openxmlformats.org/officeDocument/2006/math">
                     <m:oMathParaPr>
@@ -18585,7 +20972,7 @@
             </p:txBody>
           </p:sp>
         </mc:Choice>
-        <mc:Fallback>
+        <mc:Fallback xmlns="">
           <p:sp>
             <p:nvSpPr>
               <p:cNvPr id="2" name="TextBox 1"/>
@@ -18902,15 +21289,7 @@
                 <a:ea typeface="CMU Serif" panose="02000603000000000000" pitchFamily="2" charset="0"/>
                 <a:cs typeface="CMU Serif" panose="02000603000000000000" pitchFamily="2" charset="0"/>
               </a:rPr>
-              <a:t> </a:t>
-            </a:r>
-            <a:r>
-              <a:rPr lang="es-AR" sz="2400" dirty="0" smtClean="0">
-                <a:latin typeface="CMU Serif" panose="02000603000000000000" pitchFamily="2" charset="0"/>
-                <a:ea typeface="CMU Serif" panose="02000603000000000000" pitchFamily="2" charset="0"/>
-                <a:cs typeface="CMU Serif" panose="02000603000000000000" pitchFamily="2" charset="0"/>
-              </a:rPr>
-              <a:t>Compuestas por “filtros” que se aplican como una </a:t>
+              <a:t> Compuestas por “filtros” que se aplican como una </a:t>
             </a:r>
             <a:r>
               <a:rPr lang="es-AR" sz="2400" dirty="0" err="1" smtClean="0">
@@ -18928,11 +21307,6 @@
               </a:rPr>
               <a:t> a la información en la imagen. Estos filtros tienen parámetros que aprenden atributos abstractos.</a:t>
             </a:r>
-            <a:endParaRPr lang="es-AR" sz="2400" dirty="0" smtClean="0">
-              <a:latin typeface="CMU Serif" panose="02000603000000000000" pitchFamily="2" charset="0"/>
-              <a:ea typeface="CMU Serif" panose="02000603000000000000" pitchFamily="2" charset="0"/>
-              <a:cs typeface="CMU Serif" panose="02000603000000000000" pitchFamily="2" charset="0"/>
-            </a:endParaRPr>
           </a:p>
         </p:txBody>
       </p:sp>
